--- a/slides/pptx/4-classification.pptx
+++ b/slides/pptx/4-classification.pptx
@@ -1,6 +1,6 @@
 
 <file path=ppt/presentation.xml><?xml version="1.0" encoding="utf-8"?>
-<p:presentation xmlns:a="http://schemas.openxmlformats.org/drawingml/2006/main" xmlns:r="http://schemas.openxmlformats.org/officeDocument/2006/relationships" xmlns:p="http://schemas.openxmlformats.org/presentationml/2006/main" saveSubsetFonts="1">
+<p:presentation xmlns:a="http://schemas.openxmlformats.org/drawingml/2006/main" xmlns:r="http://schemas.openxmlformats.org/officeDocument/2006/relationships" xmlns:p="http://schemas.openxmlformats.org/presentationml/2006/main" showSpecialPlsOnTitleSld="0" saveSubsetFonts="1">
   <p:sldMasterIdLst>
     <p:sldMasterId id="2147483660" r:id="rId1"/>
   </p:sldMasterIdLst>
@@ -212,7 +212,7 @@
           <a:p>
             <a:fld id="{BE1256C8-1BA4-4200-90F3-9413893DDEA5}" type="datetimeFigureOut">
               <a:rPr lang="en-US" smtClean="0"/>
-              <a:t>4/18/2018</a:t>
+              <a:t>4/20/2018</a:t>
             </a:fld>
             <a:endParaRPr lang="en-US"/>
           </a:p>
@@ -479,6 +479,90 @@
 </p:notesMaster>
 </file>
 
+<file path=ppt/notesSlides/notesSlide1.xml><?xml version="1.0" encoding="utf-8"?>
+<p:notes xmlns:a="http://schemas.openxmlformats.org/drawingml/2006/main" xmlns:r="http://schemas.openxmlformats.org/officeDocument/2006/relationships" xmlns:p="http://schemas.openxmlformats.org/presentationml/2006/main">
+  <p:cSld>
+    <p:spTree>
+      <p:nvGrpSpPr>
+        <p:cNvPr id="1" name=""/>
+        <p:cNvGrpSpPr/>
+        <p:nvPr/>
+      </p:nvGrpSpPr>
+      <p:grpSpPr>
+        <a:xfrm>
+          <a:off x="0" y="0"/>
+          <a:ext cx="0" cy="0"/>
+          <a:chOff x="0" y="0"/>
+          <a:chExt cx="0" cy="0"/>
+        </a:xfrm>
+      </p:grpSpPr>
+      <p:sp>
+        <p:nvSpPr>
+          <p:cNvPr id="2" name="Slide Image Placeholder 1"/>
+          <p:cNvSpPr>
+            <a:spLocks noGrp="1" noRot="1" noChangeAspect="1"/>
+          </p:cNvSpPr>
+          <p:nvPr>
+            <p:ph type="sldImg"/>
+          </p:nvPr>
+        </p:nvSpPr>
+        <p:spPr/>
+      </p:sp>
+      <p:sp>
+        <p:nvSpPr>
+          <p:cNvPr id="3" name="Notes Placeholder 2"/>
+          <p:cNvSpPr>
+            <a:spLocks noGrp="1"/>
+          </p:cNvSpPr>
+          <p:nvPr>
+            <p:ph type="body" idx="1"/>
+          </p:nvPr>
+        </p:nvSpPr>
+        <p:spPr/>
+        <p:txBody>
+          <a:bodyPr/>
+          <a:lstStyle/>
+          <a:p>
+            <a:endParaRPr lang="en-GB"/>
+          </a:p>
+        </p:txBody>
+      </p:sp>
+      <p:sp>
+        <p:nvSpPr>
+          <p:cNvPr id="4" name="Slide Number Placeholder 3"/>
+          <p:cNvSpPr>
+            <a:spLocks noGrp="1"/>
+          </p:cNvSpPr>
+          <p:nvPr>
+            <p:ph type="sldNum" sz="quarter" idx="10"/>
+          </p:nvPr>
+        </p:nvSpPr>
+        <p:spPr/>
+        <p:txBody>
+          <a:bodyPr/>
+          <a:lstStyle/>
+          <a:p>
+            <a:fld id="{9D3E0FAC-92B7-4344-B8CE-D78B9752AB0B}" type="slidenum">
+              <a:rPr lang="en-US" smtClean="0"/>
+              <a:t>1</a:t>
+            </a:fld>
+            <a:endParaRPr lang="en-US"/>
+          </a:p>
+        </p:txBody>
+      </p:sp>
+    </p:spTree>
+    <p:extLst>
+      <p:ext uri="{BB962C8B-B14F-4D97-AF65-F5344CB8AC3E}">
+        <p14:creationId xmlns:p14="http://schemas.microsoft.com/office/powerpoint/2010/main" val="2033310189"/>
+      </p:ext>
+    </p:extLst>
+  </p:cSld>
+  <p:clrMapOvr>
+    <a:masterClrMapping/>
+  </p:clrMapOvr>
+</p:notes>
+</file>
+
 <file path=ppt/slideLayouts/slideLayout1.xml><?xml version="1.0" encoding="utf-8"?>
 <p:sldLayout xmlns:a="http://schemas.openxmlformats.org/drawingml/2006/main" xmlns:r="http://schemas.openxmlformats.org/officeDocument/2006/relationships" xmlns:p="http://schemas.openxmlformats.org/presentationml/2006/main" type="title" preserve="1">
   <p:cSld name="Title Slide">
@@ -608,9 +692,9 @@
           <a:bodyPr/>
           <a:lstStyle/>
           <a:p>
-            <a:fld id="{7CC7A2F6-2F19-4AE6-AE33-E09CFF174DCA}" type="datetimeFigureOut">
+            <a:fld id="{57763156-F63F-45AB-B3F8-61CC0A4BEA6A}" type="datetime1">
               <a:rPr lang="en-GB" smtClean="0"/>
-              <a:t>18/04/2018</a:t>
+              <a:t>20/04/2018</a:t>
             </a:fld>
             <a:endParaRPr lang="en-GB"/>
           </a:p>
@@ -778,9 +862,9 @@
           <a:bodyPr/>
           <a:lstStyle/>
           <a:p>
-            <a:fld id="{7CC7A2F6-2F19-4AE6-AE33-E09CFF174DCA}" type="datetimeFigureOut">
+            <a:fld id="{14BEECE9-20C9-45D7-AB53-CA411A5FA534}" type="datetime1">
               <a:rPr lang="en-GB" smtClean="0"/>
-              <a:t>18/04/2018</a:t>
+              <a:t>20/04/2018</a:t>
             </a:fld>
             <a:endParaRPr lang="en-GB"/>
           </a:p>
@@ -958,9 +1042,9 @@
           <a:bodyPr/>
           <a:lstStyle/>
           <a:p>
-            <a:fld id="{7CC7A2F6-2F19-4AE6-AE33-E09CFF174DCA}" type="datetimeFigureOut">
+            <a:fld id="{71AC76DC-8E58-4714-866B-5CCB322C9264}" type="datetime1">
               <a:rPr lang="en-GB" smtClean="0"/>
-              <a:t>18/04/2018</a:t>
+              <a:t>20/04/2018</a:t>
             </a:fld>
             <a:endParaRPr lang="en-GB"/>
           </a:p>
@@ -1128,9 +1212,9 @@
           <a:bodyPr/>
           <a:lstStyle/>
           <a:p>
-            <a:fld id="{7CC7A2F6-2F19-4AE6-AE33-E09CFF174DCA}" type="datetimeFigureOut">
+            <a:fld id="{DFC15704-F215-4509-A1A2-B1A12E74556F}" type="datetime1">
               <a:rPr lang="en-GB" smtClean="0"/>
-              <a:t>18/04/2018</a:t>
+              <a:t>20/04/2018</a:t>
             </a:fld>
             <a:endParaRPr lang="en-GB"/>
           </a:p>
@@ -1372,9 +1456,9 @@
           <a:bodyPr/>
           <a:lstStyle/>
           <a:p>
-            <a:fld id="{7CC7A2F6-2F19-4AE6-AE33-E09CFF174DCA}" type="datetimeFigureOut">
+            <a:fld id="{392ADA6A-D818-43C3-9F7F-2F28E69D78B6}" type="datetime1">
               <a:rPr lang="en-GB" smtClean="0"/>
-              <a:t>18/04/2018</a:t>
+              <a:t>20/04/2018</a:t>
             </a:fld>
             <a:endParaRPr lang="en-GB"/>
           </a:p>
@@ -1604,9 +1688,9 @@
           <a:bodyPr/>
           <a:lstStyle/>
           <a:p>
-            <a:fld id="{7CC7A2F6-2F19-4AE6-AE33-E09CFF174DCA}" type="datetimeFigureOut">
+            <a:fld id="{C7FCF681-0D17-4460-8C9F-49B85F7A2E00}" type="datetime1">
               <a:rPr lang="en-GB" smtClean="0"/>
-              <a:t>18/04/2018</a:t>
+              <a:t>20/04/2018</a:t>
             </a:fld>
             <a:endParaRPr lang="en-GB"/>
           </a:p>
@@ -1971,9 +2055,9 @@
           <a:bodyPr/>
           <a:lstStyle/>
           <a:p>
-            <a:fld id="{7CC7A2F6-2F19-4AE6-AE33-E09CFF174DCA}" type="datetimeFigureOut">
+            <a:fld id="{F592DD51-5C55-433A-BB22-2ABF05370CA6}" type="datetime1">
               <a:rPr lang="en-GB" smtClean="0"/>
-              <a:t>18/04/2018</a:t>
+              <a:t>20/04/2018</a:t>
             </a:fld>
             <a:endParaRPr lang="en-GB"/>
           </a:p>
@@ -2089,9 +2173,9 @@
           <a:bodyPr/>
           <a:lstStyle/>
           <a:p>
-            <a:fld id="{7CC7A2F6-2F19-4AE6-AE33-E09CFF174DCA}" type="datetimeFigureOut">
+            <a:fld id="{A97C0150-2929-4832-9063-FBB3235391DF}" type="datetime1">
               <a:rPr lang="en-GB" smtClean="0"/>
-              <a:t>18/04/2018</a:t>
+              <a:t>20/04/2018</a:t>
             </a:fld>
             <a:endParaRPr lang="en-GB"/>
           </a:p>
@@ -2184,9 +2268,9 @@
           <a:bodyPr/>
           <a:lstStyle/>
           <a:p>
-            <a:fld id="{7CC7A2F6-2F19-4AE6-AE33-E09CFF174DCA}" type="datetimeFigureOut">
+            <a:fld id="{4692F702-1EC7-4E05-9607-554DE0A8E0FE}" type="datetime1">
               <a:rPr lang="en-GB" smtClean="0"/>
-              <a:t>18/04/2018</a:t>
+              <a:t>20/04/2018</a:t>
             </a:fld>
             <a:endParaRPr lang="en-GB"/>
           </a:p>
@@ -2461,9 +2545,9 @@
           <a:bodyPr/>
           <a:lstStyle/>
           <a:p>
-            <a:fld id="{7CC7A2F6-2F19-4AE6-AE33-E09CFF174DCA}" type="datetimeFigureOut">
+            <a:fld id="{24C2DD65-6AF0-44F2-884B-2162E18F760E}" type="datetime1">
               <a:rPr lang="en-GB" smtClean="0"/>
-              <a:t>18/04/2018</a:t>
+              <a:t>20/04/2018</a:t>
             </a:fld>
             <a:endParaRPr lang="en-GB"/>
           </a:p>
@@ -2718,9 +2802,9 @@
           <a:bodyPr/>
           <a:lstStyle/>
           <a:p>
-            <a:fld id="{7CC7A2F6-2F19-4AE6-AE33-E09CFF174DCA}" type="datetimeFigureOut">
+            <a:fld id="{9A9C41D7-6BEF-4CB4-AC25-ADB6FF4C12E2}" type="datetime1">
               <a:rPr lang="en-GB" smtClean="0"/>
-              <a:t>18/04/2018</a:t>
+              <a:t>20/04/2018</a:t>
             </a:fld>
             <a:endParaRPr lang="en-GB"/>
           </a:p>
@@ -2931,9 +3015,9 @@
             </a:lvl1pPr>
           </a:lstStyle>
           <a:p>
-            <a:fld id="{7CC7A2F6-2F19-4AE6-AE33-E09CFF174DCA}" type="datetimeFigureOut">
+            <a:fld id="{5589C3F4-3F66-4BB9-8E2C-6F99259E00DB}" type="datetime1">
               <a:rPr lang="en-GB" smtClean="0"/>
-              <a:t>18/04/2018</a:t>
+              <a:t>20/04/2018</a:t>
             </a:fld>
             <a:endParaRPr lang="en-GB"/>
           </a:p>
@@ -3038,6 +3122,7 @@
     <p:sldLayoutId id="2147483670" r:id="rId10"/>
     <p:sldLayoutId id="2147483671" r:id="rId11"/>
   </p:sldLayoutIdLst>
+  <p:hf hdr="0" ftr="0" dt="0"/>
   <p:txStyles>
     <p:titleStyle>
       <a:lvl1pPr algn="l" defTabSz="914400" rtl="0" eaLnBrk="1" latinLnBrk="0" hangingPunct="1">
@@ -3355,7 +3440,7 @@
           <a:p>
             <a:r>
               <a:rPr lang="en-US" dirty="0" smtClean="0"/>
-              <a:t>Classification</a:t>
+              <a:t>SMASAC - Classification</a:t>
             </a:r>
             <a:endParaRPr lang="en-US" dirty="0"/>
           </a:p>
@@ -4262,6 +4347,40 @@
           </a:p>
         </p:txBody>
       </p:sp>
+      <p:sp>
+        <p:nvSpPr>
+          <p:cNvPr id="14" name="Subtitle 2"/>
+          <p:cNvSpPr>
+            <a:spLocks noGrp="1"/>
+          </p:cNvSpPr>
+          <p:nvPr>
+            <p:ph type="subTitle" idx="1"/>
+          </p:nvPr>
+        </p:nvSpPr>
+        <p:spPr>
+          <a:xfrm>
+            <a:off x="1143000" y="3602038"/>
+            <a:ext cx="6858000" cy="1655762"/>
+          </a:xfrm>
+        </p:spPr>
+        <p:txBody>
+          <a:bodyPr/>
+          <a:lstStyle/>
+          <a:p>
+            <a:r>
+              <a:rPr lang="en-GB" dirty="0" smtClean="0"/>
+              <a:t>GRÉGOIRE BUREL, MAYANK KEJRIWAL AND </a:t>
+            </a:r>
+            <a:r>
+              <a:rPr lang="en-GB" u="sng" dirty="0" smtClean="0"/>
+              <a:t>PRASHANT KHARE</a:t>
+            </a:r>
+          </a:p>
+          <a:p>
+            <a:endParaRPr lang="en-GB" dirty="0"/>
+          </a:p>
+        </p:txBody>
+      </p:sp>
     </p:spTree>
     <p:extLst>
       <p:ext uri="{BB962C8B-B14F-4D97-AF65-F5344CB8AC3E}">
@@ -4343,6 +4462,29 @@
           </a:p>
         </p:txBody>
       </p:sp>
+      <p:sp>
+        <p:nvSpPr>
+          <p:cNvPr id="4" name="Slide Number Placeholder 3"/>
+          <p:cNvSpPr>
+            <a:spLocks noGrp="1"/>
+          </p:cNvSpPr>
+          <p:nvPr>
+            <p:ph type="sldNum" sz="quarter" idx="12"/>
+          </p:nvPr>
+        </p:nvSpPr>
+        <p:spPr/>
+        <p:txBody>
+          <a:bodyPr/>
+          <a:lstStyle/>
+          <a:p>
+            <a:fld id="{D63D4D68-E5E1-497F-B018-33FA9D88ECA8}" type="slidenum">
+              <a:rPr lang="en-GB" smtClean="0"/>
+              <a:t>10</a:t>
+            </a:fld>
+            <a:endParaRPr lang="en-GB"/>
+          </a:p>
+        </p:txBody>
+      </p:sp>
     </p:spTree>
     <p:extLst>
       <p:ext uri="{BB962C8B-B14F-4D97-AF65-F5344CB8AC3E}">
@@ -4484,6 +4626,29 @@
           </a:p>
         </p:txBody>
       </p:sp>
+      <p:sp>
+        <p:nvSpPr>
+          <p:cNvPr id="4" name="Slide Number Placeholder 3"/>
+          <p:cNvSpPr>
+            <a:spLocks noGrp="1"/>
+          </p:cNvSpPr>
+          <p:nvPr>
+            <p:ph type="sldNum" sz="quarter" idx="12"/>
+          </p:nvPr>
+        </p:nvSpPr>
+        <p:spPr/>
+        <p:txBody>
+          <a:bodyPr/>
+          <a:lstStyle/>
+          <a:p>
+            <a:fld id="{D63D4D68-E5E1-497F-B018-33FA9D88ECA8}" type="slidenum">
+              <a:rPr lang="en-GB" smtClean="0"/>
+              <a:t>11</a:t>
+            </a:fld>
+            <a:endParaRPr lang="en-GB"/>
+          </a:p>
+        </p:txBody>
+      </p:sp>
     </p:spTree>
     <p:extLst>
       <p:ext uri="{BB962C8B-B14F-4D97-AF65-F5344CB8AC3E}">
@@ -4620,6 +4785,29 @@
           </a:p>
         </p:txBody>
       </p:sp>
+      <p:sp>
+        <p:nvSpPr>
+          <p:cNvPr id="4" name="Slide Number Placeholder 3"/>
+          <p:cNvSpPr>
+            <a:spLocks noGrp="1"/>
+          </p:cNvSpPr>
+          <p:nvPr>
+            <p:ph type="sldNum" sz="quarter" idx="12"/>
+          </p:nvPr>
+        </p:nvSpPr>
+        <p:spPr/>
+        <p:txBody>
+          <a:bodyPr/>
+          <a:lstStyle/>
+          <a:p>
+            <a:fld id="{D63D4D68-E5E1-497F-B018-33FA9D88ECA8}" type="slidenum">
+              <a:rPr lang="en-GB" smtClean="0"/>
+              <a:t>12</a:t>
+            </a:fld>
+            <a:endParaRPr lang="en-GB"/>
+          </a:p>
+        </p:txBody>
+      </p:sp>
     </p:spTree>
     <p:extLst>
       <p:ext uri="{BB962C8B-B14F-4D97-AF65-F5344CB8AC3E}">
@@ -4763,6 +4951,29 @@
           </a:p>
         </p:txBody>
       </p:sp>
+      <p:sp>
+        <p:nvSpPr>
+          <p:cNvPr id="4" name="Slide Number Placeholder 3"/>
+          <p:cNvSpPr>
+            <a:spLocks noGrp="1"/>
+          </p:cNvSpPr>
+          <p:nvPr>
+            <p:ph type="sldNum" sz="quarter" idx="12"/>
+          </p:nvPr>
+        </p:nvSpPr>
+        <p:spPr/>
+        <p:txBody>
+          <a:bodyPr/>
+          <a:lstStyle/>
+          <a:p>
+            <a:fld id="{D63D4D68-E5E1-497F-B018-33FA9D88ECA8}" type="slidenum">
+              <a:rPr lang="en-GB" smtClean="0"/>
+              <a:t>13</a:t>
+            </a:fld>
+            <a:endParaRPr lang="en-GB"/>
+          </a:p>
+        </p:txBody>
+      </p:sp>
     </p:spTree>
     <p:extLst>
       <p:ext uri="{BB962C8B-B14F-4D97-AF65-F5344CB8AC3E}">
@@ -4872,6 +5083,29 @@
           </a:p>
         </p:txBody>
       </p:sp>
+      <p:sp>
+        <p:nvSpPr>
+          <p:cNvPr id="4" name="Slide Number Placeholder 3"/>
+          <p:cNvSpPr>
+            <a:spLocks noGrp="1"/>
+          </p:cNvSpPr>
+          <p:nvPr>
+            <p:ph type="sldNum" sz="quarter" idx="12"/>
+          </p:nvPr>
+        </p:nvSpPr>
+        <p:spPr/>
+        <p:txBody>
+          <a:bodyPr/>
+          <a:lstStyle/>
+          <a:p>
+            <a:fld id="{D63D4D68-E5E1-497F-B018-33FA9D88ECA8}" type="slidenum">
+              <a:rPr lang="en-GB" smtClean="0"/>
+              <a:t>14</a:t>
+            </a:fld>
+            <a:endParaRPr lang="en-GB"/>
+          </a:p>
+        </p:txBody>
+      </p:sp>
     </p:spTree>
     <p:extLst>
       <p:ext uri="{BB962C8B-B14F-4D97-AF65-F5344CB8AC3E}">
@@ -5104,6 +5338,29 @@
           </a:p>
         </p:txBody>
       </p:sp>
+      <p:sp>
+        <p:nvSpPr>
+          <p:cNvPr id="4" name="Slide Number Placeholder 3"/>
+          <p:cNvSpPr>
+            <a:spLocks noGrp="1"/>
+          </p:cNvSpPr>
+          <p:nvPr>
+            <p:ph type="sldNum" sz="quarter" idx="12"/>
+          </p:nvPr>
+        </p:nvSpPr>
+        <p:spPr/>
+        <p:txBody>
+          <a:bodyPr/>
+          <a:lstStyle/>
+          <a:p>
+            <a:fld id="{D63D4D68-E5E1-497F-B018-33FA9D88ECA8}" type="slidenum">
+              <a:rPr lang="en-GB" smtClean="0"/>
+              <a:t>15</a:t>
+            </a:fld>
+            <a:endParaRPr lang="en-GB"/>
+          </a:p>
+        </p:txBody>
+      </p:sp>
     </p:spTree>
     <p:extLst>
       <p:ext uri="{BB962C8B-B14F-4D97-AF65-F5344CB8AC3E}">
@@ -5246,6 +5503,29 @@
           </a:p>
         </p:txBody>
       </p:sp>
+      <p:sp>
+        <p:nvSpPr>
+          <p:cNvPr id="4" name="Slide Number Placeholder 3"/>
+          <p:cNvSpPr>
+            <a:spLocks noGrp="1"/>
+          </p:cNvSpPr>
+          <p:nvPr>
+            <p:ph type="sldNum" sz="quarter" idx="12"/>
+          </p:nvPr>
+        </p:nvSpPr>
+        <p:spPr/>
+        <p:txBody>
+          <a:bodyPr/>
+          <a:lstStyle/>
+          <a:p>
+            <a:fld id="{D63D4D68-E5E1-497F-B018-33FA9D88ECA8}" type="slidenum">
+              <a:rPr lang="en-GB" smtClean="0"/>
+              <a:t>16</a:t>
+            </a:fld>
+            <a:endParaRPr lang="en-GB"/>
+          </a:p>
+        </p:txBody>
+      </p:sp>
     </p:spTree>
     <p:extLst>
       <p:ext uri="{BB962C8B-B14F-4D97-AF65-F5344CB8AC3E}">
@@ -5402,6 +5682,29 @@
           </a:p>
         </p:txBody>
       </p:sp>
+      <p:sp>
+        <p:nvSpPr>
+          <p:cNvPr id="4" name="Slide Number Placeholder 3"/>
+          <p:cNvSpPr>
+            <a:spLocks noGrp="1"/>
+          </p:cNvSpPr>
+          <p:nvPr>
+            <p:ph type="sldNum" sz="quarter" idx="12"/>
+          </p:nvPr>
+        </p:nvSpPr>
+        <p:spPr/>
+        <p:txBody>
+          <a:bodyPr/>
+          <a:lstStyle/>
+          <a:p>
+            <a:fld id="{D63D4D68-E5E1-497F-B018-33FA9D88ECA8}" type="slidenum">
+              <a:rPr lang="en-GB" smtClean="0"/>
+              <a:t>2</a:t>
+            </a:fld>
+            <a:endParaRPr lang="en-GB"/>
+          </a:p>
+        </p:txBody>
+      </p:sp>
     </p:spTree>
     <p:extLst>
       <p:ext uri="{BB962C8B-B14F-4D97-AF65-F5344CB8AC3E}">
@@ -5654,6 +5957,29 @@
           </a:p>
         </p:txBody>
       </p:sp>
+      <p:sp>
+        <p:nvSpPr>
+          <p:cNvPr id="4" name="Slide Number Placeholder 3"/>
+          <p:cNvSpPr>
+            <a:spLocks noGrp="1"/>
+          </p:cNvSpPr>
+          <p:nvPr>
+            <p:ph type="sldNum" sz="quarter" idx="12"/>
+          </p:nvPr>
+        </p:nvSpPr>
+        <p:spPr/>
+        <p:txBody>
+          <a:bodyPr/>
+          <a:lstStyle/>
+          <a:p>
+            <a:fld id="{D63D4D68-E5E1-497F-B018-33FA9D88ECA8}" type="slidenum">
+              <a:rPr lang="en-GB" smtClean="0"/>
+              <a:t>3</a:t>
+            </a:fld>
+            <a:endParaRPr lang="en-GB"/>
+          </a:p>
+        </p:txBody>
+      </p:sp>
     </p:spTree>
     <p:extLst>
       <p:ext uri="{BB962C8B-B14F-4D97-AF65-F5344CB8AC3E}">
@@ -5839,6 +6165,29 @@
           </a:p>
         </p:txBody>
       </p:sp>
+      <p:sp>
+        <p:nvSpPr>
+          <p:cNvPr id="4" name="Slide Number Placeholder 3"/>
+          <p:cNvSpPr>
+            <a:spLocks noGrp="1"/>
+          </p:cNvSpPr>
+          <p:nvPr>
+            <p:ph type="sldNum" sz="quarter" idx="12"/>
+          </p:nvPr>
+        </p:nvSpPr>
+        <p:spPr/>
+        <p:txBody>
+          <a:bodyPr/>
+          <a:lstStyle/>
+          <a:p>
+            <a:fld id="{D63D4D68-E5E1-497F-B018-33FA9D88ECA8}" type="slidenum">
+              <a:rPr lang="en-GB" smtClean="0"/>
+              <a:t>4</a:t>
+            </a:fld>
+            <a:endParaRPr lang="en-GB"/>
+          </a:p>
+        </p:txBody>
+      </p:sp>
     </p:spTree>
     <p:extLst>
       <p:ext uri="{BB962C8B-B14F-4D97-AF65-F5344CB8AC3E}">
@@ -6121,6 +6470,29 @@
           </a:p>
         </p:txBody>
       </p:sp>
+      <p:sp>
+        <p:nvSpPr>
+          <p:cNvPr id="4" name="Slide Number Placeholder 3"/>
+          <p:cNvSpPr>
+            <a:spLocks noGrp="1"/>
+          </p:cNvSpPr>
+          <p:nvPr>
+            <p:ph type="sldNum" sz="quarter" idx="12"/>
+          </p:nvPr>
+        </p:nvSpPr>
+        <p:spPr/>
+        <p:txBody>
+          <a:bodyPr/>
+          <a:lstStyle/>
+          <a:p>
+            <a:fld id="{D63D4D68-E5E1-497F-B018-33FA9D88ECA8}" type="slidenum">
+              <a:rPr lang="en-GB" smtClean="0"/>
+              <a:t>5</a:t>
+            </a:fld>
+            <a:endParaRPr lang="en-GB"/>
+          </a:p>
+        </p:txBody>
+      </p:sp>
     </p:spTree>
     <p:extLst>
       <p:ext uri="{BB962C8B-B14F-4D97-AF65-F5344CB8AC3E}">
@@ -6314,6 +6686,29 @@
           </a:p>
         </p:txBody>
       </p:sp>
+      <p:sp>
+        <p:nvSpPr>
+          <p:cNvPr id="4" name="Slide Number Placeholder 3"/>
+          <p:cNvSpPr>
+            <a:spLocks noGrp="1"/>
+          </p:cNvSpPr>
+          <p:nvPr>
+            <p:ph type="sldNum" sz="quarter" idx="12"/>
+          </p:nvPr>
+        </p:nvSpPr>
+        <p:spPr/>
+        <p:txBody>
+          <a:bodyPr/>
+          <a:lstStyle/>
+          <a:p>
+            <a:fld id="{D63D4D68-E5E1-497F-B018-33FA9D88ECA8}" type="slidenum">
+              <a:rPr lang="en-GB" smtClean="0"/>
+              <a:t>6</a:t>
+            </a:fld>
+            <a:endParaRPr lang="en-GB"/>
+          </a:p>
+        </p:txBody>
+      </p:sp>
     </p:spTree>
     <p:extLst>
       <p:ext uri="{BB962C8B-B14F-4D97-AF65-F5344CB8AC3E}">
@@ -7826,6 +8221,29 @@
               <a:rPr lang="en-US" dirty="0"/>
               <a:t>Semantic Enrichment Example</a:t>
             </a:r>
+          </a:p>
+        </p:txBody>
+      </p:sp>
+      <p:sp>
+        <p:nvSpPr>
+          <p:cNvPr id="2" name="Slide Number Placeholder 1"/>
+          <p:cNvSpPr>
+            <a:spLocks noGrp="1"/>
+          </p:cNvSpPr>
+          <p:nvPr>
+            <p:ph type="sldNum" sz="quarter" idx="12"/>
+          </p:nvPr>
+        </p:nvSpPr>
+        <p:spPr/>
+        <p:txBody>
+          <a:bodyPr/>
+          <a:lstStyle/>
+          <a:p>
+            <a:fld id="{D63D4D68-E5E1-497F-B018-33FA9D88ECA8}" type="slidenum">
+              <a:rPr lang="en-GB" smtClean="0"/>
+              <a:t>7</a:t>
+            </a:fld>
+            <a:endParaRPr lang="en-GB"/>
           </a:p>
         </p:txBody>
       </p:sp>
@@ -10182,6 +10600,29 @@
           </a:p>
         </p:txBody>
       </p:sp>
+      <p:sp>
+        <p:nvSpPr>
+          <p:cNvPr id="4" name="Slide Number Placeholder 3"/>
+          <p:cNvSpPr>
+            <a:spLocks noGrp="1"/>
+          </p:cNvSpPr>
+          <p:nvPr>
+            <p:ph type="sldNum" sz="quarter" idx="12"/>
+          </p:nvPr>
+        </p:nvSpPr>
+        <p:spPr/>
+        <p:txBody>
+          <a:bodyPr/>
+          <a:lstStyle/>
+          <a:p>
+            <a:fld id="{D63D4D68-E5E1-497F-B018-33FA9D88ECA8}" type="slidenum">
+              <a:rPr lang="en-GB" smtClean="0"/>
+              <a:t>8</a:t>
+            </a:fld>
+            <a:endParaRPr lang="en-GB"/>
+          </a:p>
+        </p:txBody>
+      </p:sp>
     </p:spTree>
     <p:extLst>
       <p:ext uri="{BB962C8B-B14F-4D97-AF65-F5344CB8AC3E}">
@@ -10308,6 +10749,29 @@
           </a:prstGeom>
         </p:spPr>
       </p:pic>
+      <p:sp>
+        <p:nvSpPr>
+          <p:cNvPr id="5" name="Slide Number Placeholder 4"/>
+          <p:cNvSpPr>
+            <a:spLocks noGrp="1"/>
+          </p:cNvSpPr>
+          <p:nvPr>
+            <p:ph type="sldNum" sz="quarter" idx="12"/>
+          </p:nvPr>
+        </p:nvSpPr>
+        <p:spPr/>
+        <p:txBody>
+          <a:bodyPr/>
+          <a:lstStyle/>
+          <a:p>
+            <a:fld id="{D63D4D68-E5E1-497F-B018-33FA9D88ECA8}" type="slidenum">
+              <a:rPr lang="en-GB" smtClean="0"/>
+              <a:t>9</a:t>
+            </a:fld>
+            <a:endParaRPr lang="en-GB"/>
+          </a:p>
+        </p:txBody>
+      </p:sp>
     </p:spTree>
     <p:extLst>
       <p:ext uri="{BB962C8B-B14F-4D97-AF65-F5344CB8AC3E}">

--- a/slides/pptx/4-classification.pptx
+++ b/slides/pptx/4-classification.pptx
@@ -212,7 +212,7 @@
           <a:p>
             <a:fld id="{BE1256C8-1BA4-4200-90F3-9413893DDEA5}" type="datetimeFigureOut">
               <a:rPr lang="en-US" smtClean="0"/>
-              <a:t>4/20/2018</a:t>
+              <a:t>4/20/18</a:t>
             </a:fld>
             <a:endParaRPr lang="en-US"/>
           </a:p>
@@ -523,7 +523,15 @@
           <a:bodyPr/>
           <a:lstStyle/>
           <a:p>
-            <a:endParaRPr lang="en-GB"/>
+            <a:r>
+              <a:rPr lang="en-GB" dirty="0" smtClean="0"/>
+              <a:t>In these slides,</a:t>
+            </a:r>
+            <a:r>
+              <a:rPr lang="en-GB" baseline="0" dirty="0" smtClean="0"/>
+              <a:t> we describe the methods for automatic text categorization, which will allow us to make sense of the heterogeneous data by sorting them into category/classes.</a:t>
+            </a:r>
+            <a:endParaRPr lang="en-GB" dirty="0"/>
           </a:p>
         </p:txBody>
       </p:sp>
@@ -554,6 +562,1519 @@
     <p:extLst>
       <p:ext uri="{BB962C8B-B14F-4D97-AF65-F5344CB8AC3E}">
         <p14:creationId xmlns:p14="http://schemas.microsoft.com/office/powerpoint/2010/main" val="2033310189"/>
+      </p:ext>
+    </p:extLst>
+  </p:cSld>
+  <p:clrMapOvr>
+    <a:masterClrMapping/>
+  </p:clrMapOvr>
+</p:notes>
+</file>
+
+<file path=ppt/notesSlides/notesSlide10.xml><?xml version="1.0" encoding="utf-8"?>
+<p:notes xmlns:a="http://schemas.openxmlformats.org/drawingml/2006/main" xmlns:r="http://schemas.openxmlformats.org/officeDocument/2006/relationships" xmlns:p="http://schemas.openxmlformats.org/presentationml/2006/main">
+  <p:cSld>
+    <p:spTree>
+      <p:nvGrpSpPr>
+        <p:cNvPr id="1" name=""/>
+        <p:cNvGrpSpPr/>
+        <p:nvPr/>
+      </p:nvGrpSpPr>
+      <p:grpSpPr>
+        <a:xfrm>
+          <a:off x="0" y="0"/>
+          <a:ext cx="0" cy="0"/>
+          <a:chOff x="0" y="0"/>
+          <a:chExt cx="0" cy="0"/>
+        </a:xfrm>
+      </p:grpSpPr>
+      <p:sp>
+        <p:nvSpPr>
+          <p:cNvPr id="2" name="Slide Image Placeholder 1"/>
+          <p:cNvSpPr>
+            <a:spLocks noGrp="1" noRot="1" noChangeAspect="1"/>
+          </p:cNvSpPr>
+          <p:nvPr>
+            <p:ph type="sldImg"/>
+          </p:nvPr>
+        </p:nvSpPr>
+        <p:spPr/>
+      </p:sp>
+      <p:sp>
+        <p:nvSpPr>
+          <p:cNvPr id="3" name="Notes Placeholder 2"/>
+          <p:cNvSpPr>
+            <a:spLocks noGrp="1"/>
+          </p:cNvSpPr>
+          <p:nvPr>
+            <p:ph type="body" idx="1"/>
+          </p:nvPr>
+        </p:nvSpPr>
+        <p:spPr/>
+        <p:txBody>
+          <a:bodyPr/>
+          <a:lstStyle/>
+          <a:p>
+            <a:r>
+              <a:rPr lang="en-US" dirty="0" smtClean="0"/>
+              <a:t>While all this sounds good. We always will get stuck at a point here we require substantial</a:t>
+            </a:r>
+            <a:r>
+              <a:rPr lang="en-US" baseline="0" dirty="0" smtClean="0"/>
+              <a:t> labeled data to train any classification system. So, to begin with we have identified some very relevant resources!</a:t>
+            </a:r>
+            <a:endParaRPr lang="en-US" dirty="0"/>
+          </a:p>
+        </p:txBody>
+      </p:sp>
+      <p:sp>
+        <p:nvSpPr>
+          <p:cNvPr id="4" name="Slide Number Placeholder 3"/>
+          <p:cNvSpPr>
+            <a:spLocks noGrp="1"/>
+          </p:cNvSpPr>
+          <p:nvPr>
+            <p:ph type="sldNum" sz="quarter" idx="10"/>
+          </p:nvPr>
+        </p:nvSpPr>
+        <p:spPr/>
+        <p:txBody>
+          <a:bodyPr/>
+          <a:lstStyle/>
+          <a:p>
+            <a:fld id="{9D3E0FAC-92B7-4344-B8CE-D78B9752AB0B}" type="slidenum">
+              <a:rPr lang="en-US" smtClean="0"/>
+              <a:t>10</a:t>
+            </a:fld>
+            <a:endParaRPr lang="en-US"/>
+          </a:p>
+        </p:txBody>
+      </p:sp>
+    </p:spTree>
+    <p:extLst>
+      <p:ext uri="{BB962C8B-B14F-4D97-AF65-F5344CB8AC3E}">
+        <p14:creationId xmlns:p14="http://schemas.microsoft.com/office/powerpoint/2010/main" val="1767009752"/>
+      </p:ext>
+    </p:extLst>
+  </p:cSld>
+  <p:clrMapOvr>
+    <a:masterClrMapping/>
+  </p:clrMapOvr>
+</p:notes>
+</file>
+
+<file path=ppt/notesSlides/notesSlide11.xml><?xml version="1.0" encoding="utf-8"?>
+<p:notes xmlns:a="http://schemas.openxmlformats.org/drawingml/2006/main" xmlns:r="http://schemas.openxmlformats.org/officeDocument/2006/relationships" xmlns:p="http://schemas.openxmlformats.org/presentationml/2006/main">
+  <p:cSld>
+    <p:spTree>
+      <p:nvGrpSpPr>
+        <p:cNvPr id="1" name=""/>
+        <p:cNvGrpSpPr/>
+        <p:nvPr/>
+      </p:nvGrpSpPr>
+      <p:grpSpPr>
+        <a:xfrm>
+          <a:off x="0" y="0"/>
+          <a:ext cx="0" cy="0"/>
+          <a:chOff x="0" y="0"/>
+          <a:chExt cx="0" cy="0"/>
+        </a:xfrm>
+      </p:grpSpPr>
+      <p:sp>
+        <p:nvSpPr>
+          <p:cNvPr id="2" name="Slide Image Placeholder 1"/>
+          <p:cNvSpPr>
+            <a:spLocks noGrp="1" noRot="1" noChangeAspect="1"/>
+          </p:cNvSpPr>
+          <p:nvPr>
+            <p:ph type="sldImg"/>
+          </p:nvPr>
+        </p:nvSpPr>
+        <p:spPr/>
+      </p:sp>
+      <p:sp>
+        <p:nvSpPr>
+          <p:cNvPr id="3" name="Notes Placeholder 2"/>
+          <p:cNvSpPr>
+            <a:spLocks noGrp="1"/>
+          </p:cNvSpPr>
+          <p:nvPr>
+            <p:ph type="body" idx="1"/>
+          </p:nvPr>
+        </p:nvSpPr>
+        <p:spPr/>
+        <p:txBody>
+          <a:bodyPr/>
+          <a:lstStyle/>
+          <a:p>
+            <a:r>
+              <a:rPr lang="en-US" dirty="0" err="1" smtClean="0"/>
+              <a:t>CrisisLex</a:t>
+            </a:r>
+            <a:r>
+              <a:rPr lang="en-US" dirty="0" smtClean="0"/>
+              <a:t> is a very popular data repository which has time and again been referred</a:t>
+            </a:r>
+            <a:r>
+              <a:rPr lang="en-US" baseline="0" dirty="0" smtClean="0"/>
+              <a:t> to for various related research studies. Similarly </a:t>
+            </a:r>
+            <a:r>
+              <a:rPr lang="en-US" baseline="0" dirty="0" err="1" smtClean="0"/>
+              <a:t>CrisisNLP</a:t>
+            </a:r>
+            <a:r>
+              <a:rPr lang="en-US" baseline="0" dirty="0" smtClean="0"/>
+              <a:t> and </a:t>
+            </a:r>
+            <a:r>
+              <a:rPr lang="en-US" baseline="0" dirty="0" err="1" smtClean="0"/>
+              <a:t>CrisisNews</a:t>
+            </a:r>
+            <a:r>
+              <a:rPr lang="en-US" baseline="0" dirty="0" smtClean="0"/>
+              <a:t> Sympathy also have different types manually labelled crisis data.</a:t>
+            </a:r>
+            <a:endParaRPr lang="en-US" dirty="0"/>
+          </a:p>
+        </p:txBody>
+      </p:sp>
+      <p:sp>
+        <p:nvSpPr>
+          <p:cNvPr id="4" name="Slide Number Placeholder 3"/>
+          <p:cNvSpPr>
+            <a:spLocks noGrp="1"/>
+          </p:cNvSpPr>
+          <p:nvPr>
+            <p:ph type="sldNum" sz="quarter" idx="10"/>
+          </p:nvPr>
+        </p:nvSpPr>
+        <p:spPr/>
+        <p:txBody>
+          <a:bodyPr/>
+          <a:lstStyle/>
+          <a:p>
+            <a:fld id="{9D3E0FAC-92B7-4344-B8CE-D78B9752AB0B}" type="slidenum">
+              <a:rPr lang="en-US" smtClean="0"/>
+              <a:t>11</a:t>
+            </a:fld>
+            <a:endParaRPr lang="en-US"/>
+          </a:p>
+        </p:txBody>
+      </p:sp>
+    </p:spTree>
+    <p:extLst>
+      <p:ext uri="{BB962C8B-B14F-4D97-AF65-F5344CB8AC3E}">
+        <p14:creationId xmlns:p14="http://schemas.microsoft.com/office/powerpoint/2010/main" val="1349131431"/>
+      </p:ext>
+    </p:extLst>
+  </p:cSld>
+  <p:clrMapOvr>
+    <a:masterClrMapping/>
+  </p:clrMapOvr>
+</p:notes>
+</file>
+
+<file path=ppt/notesSlides/notesSlide12.xml><?xml version="1.0" encoding="utf-8"?>
+<p:notes xmlns:a="http://schemas.openxmlformats.org/drawingml/2006/main" xmlns:r="http://schemas.openxmlformats.org/officeDocument/2006/relationships" xmlns:p="http://schemas.openxmlformats.org/presentationml/2006/main">
+  <p:cSld>
+    <p:spTree>
+      <p:nvGrpSpPr>
+        <p:cNvPr id="1" name=""/>
+        <p:cNvGrpSpPr/>
+        <p:nvPr/>
+      </p:nvGrpSpPr>
+      <p:grpSpPr>
+        <a:xfrm>
+          <a:off x="0" y="0"/>
+          <a:ext cx="0" cy="0"/>
+          <a:chOff x="0" y="0"/>
+          <a:chExt cx="0" cy="0"/>
+        </a:xfrm>
+      </p:grpSpPr>
+      <p:sp>
+        <p:nvSpPr>
+          <p:cNvPr id="2" name="Slide Image Placeholder 1"/>
+          <p:cNvSpPr>
+            <a:spLocks noGrp="1" noRot="1" noChangeAspect="1"/>
+          </p:cNvSpPr>
+          <p:nvPr>
+            <p:ph type="sldImg"/>
+          </p:nvPr>
+        </p:nvSpPr>
+        <p:spPr/>
+      </p:sp>
+      <p:sp>
+        <p:nvSpPr>
+          <p:cNvPr id="3" name="Notes Placeholder 2"/>
+          <p:cNvSpPr>
+            <a:spLocks noGrp="1"/>
+          </p:cNvSpPr>
+          <p:nvPr>
+            <p:ph type="body" idx="1"/>
+          </p:nvPr>
+        </p:nvSpPr>
+        <p:spPr/>
+        <p:txBody>
+          <a:bodyPr/>
+          <a:lstStyle/>
+          <a:p>
+            <a:r>
+              <a:rPr lang="en-US" dirty="0" smtClean="0"/>
+              <a:t>We have used one particular</a:t>
+            </a:r>
+            <a:r>
+              <a:rPr lang="en-US" baseline="0" dirty="0" smtClean="0"/>
+              <a:t> data corpus from Crisis Lex, and that is called CrisisLexT26. This dataset comprises of manually  labelled tweets of 26 crisis events that occurred between 2012 and 13. Each of these 26 events have close to 1000 labelled tweets. So, here they have 4 labels. We merge the two to create a binary class system.</a:t>
+            </a:r>
+            <a:endParaRPr lang="en-US" dirty="0"/>
+          </a:p>
+        </p:txBody>
+      </p:sp>
+      <p:sp>
+        <p:nvSpPr>
+          <p:cNvPr id="4" name="Slide Number Placeholder 3"/>
+          <p:cNvSpPr>
+            <a:spLocks noGrp="1"/>
+          </p:cNvSpPr>
+          <p:nvPr>
+            <p:ph type="sldNum" sz="quarter" idx="10"/>
+          </p:nvPr>
+        </p:nvSpPr>
+        <p:spPr/>
+        <p:txBody>
+          <a:bodyPr/>
+          <a:lstStyle/>
+          <a:p>
+            <a:fld id="{9D3E0FAC-92B7-4344-B8CE-D78B9752AB0B}" type="slidenum">
+              <a:rPr lang="en-US" smtClean="0"/>
+              <a:t>12</a:t>
+            </a:fld>
+            <a:endParaRPr lang="en-US"/>
+          </a:p>
+        </p:txBody>
+      </p:sp>
+    </p:spTree>
+    <p:extLst>
+      <p:ext uri="{BB962C8B-B14F-4D97-AF65-F5344CB8AC3E}">
+        <p14:creationId xmlns:p14="http://schemas.microsoft.com/office/powerpoint/2010/main" val="719506052"/>
+      </p:ext>
+    </p:extLst>
+  </p:cSld>
+  <p:clrMapOvr>
+    <a:masterClrMapping/>
+  </p:clrMapOvr>
+</p:notes>
+</file>
+
+<file path=ppt/notesSlides/notesSlide13.xml><?xml version="1.0" encoding="utf-8"?>
+<p:notes xmlns:a="http://schemas.openxmlformats.org/drawingml/2006/main" xmlns:r="http://schemas.openxmlformats.org/officeDocument/2006/relationships" xmlns:p="http://schemas.openxmlformats.org/presentationml/2006/main">
+  <p:cSld>
+    <p:spTree>
+      <p:nvGrpSpPr>
+        <p:cNvPr id="1" name=""/>
+        <p:cNvGrpSpPr/>
+        <p:nvPr/>
+      </p:nvGrpSpPr>
+      <p:grpSpPr>
+        <a:xfrm>
+          <a:off x="0" y="0"/>
+          <a:ext cx="0" cy="0"/>
+          <a:chOff x="0" y="0"/>
+          <a:chExt cx="0" cy="0"/>
+        </a:xfrm>
+      </p:grpSpPr>
+      <p:sp>
+        <p:nvSpPr>
+          <p:cNvPr id="2" name="Slide Image Placeholder 1"/>
+          <p:cNvSpPr>
+            <a:spLocks noGrp="1" noRot="1" noChangeAspect="1"/>
+          </p:cNvSpPr>
+          <p:nvPr>
+            <p:ph type="sldImg"/>
+          </p:nvPr>
+        </p:nvSpPr>
+        <p:spPr/>
+      </p:sp>
+      <p:sp>
+        <p:nvSpPr>
+          <p:cNvPr id="3" name="Notes Placeholder 2"/>
+          <p:cNvSpPr>
+            <a:spLocks noGrp="1"/>
+          </p:cNvSpPr>
+          <p:nvPr>
+            <p:ph type="body" idx="1"/>
+          </p:nvPr>
+        </p:nvSpPr>
+        <p:spPr/>
+        <p:txBody>
+          <a:bodyPr/>
+          <a:lstStyle/>
+          <a:p>
+            <a:r>
+              <a:rPr lang="en-US" dirty="0" smtClean="0"/>
+              <a:t>So, as</a:t>
+            </a:r>
+            <a:r>
+              <a:rPr lang="en-US" baseline="0" dirty="0" smtClean="0"/>
+              <a:t> an end to end approach. We can preprocess the tweet. We can do multiple things in pre-processing such as say handling URLs (if you want to keep it, remove it), handling special characters, removing duplicate set of tweets from the data. You can handle hashtags (if you feel they are not important to your objectives). So, a lot of preprocessing can also be curated based on what your objectives are. So, after pre processing we can use </a:t>
+            </a:r>
+            <a:r>
+              <a:rPr lang="en-US" baseline="0" dirty="0" err="1" smtClean="0"/>
+              <a:t>spaCy</a:t>
+            </a:r>
+            <a:r>
+              <a:rPr lang="en-US" baseline="0" dirty="0" smtClean="0"/>
+              <a:t> or Stanford NLP tool to </a:t>
+            </a:r>
+            <a:r>
+              <a:rPr lang="en-US" baseline="0" dirty="0" err="1" smtClean="0"/>
+              <a:t>extarct</a:t>
+            </a:r>
+            <a:r>
+              <a:rPr lang="en-US" baseline="0" dirty="0" smtClean="0"/>
+              <a:t> the statistical features, then use any NER library to perform named entity recognition and linking and further generate the semantics.</a:t>
+            </a:r>
+            <a:endParaRPr lang="en-US" dirty="0"/>
+          </a:p>
+        </p:txBody>
+      </p:sp>
+      <p:sp>
+        <p:nvSpPr>
+          <p:cNvPr id="4" name="Slide Number Placeholder 3"/>
+          <p:cNvSpPr>
+            <a:spLocks noGrp="1"/>
+          </p:cNvSpPr>
+          <p:nvPr>
+            <p:ph type="sldNum" sz="quarter" idx="10"/>
+          </p:nvPr>
+        </p:nvSpPr>
+        <p:spPr/>
+        <p:txBody>
+          <a:bodyPr/>
+          <a:lstStyle/>
+          <a:p>
+            <a:fld id="{9D3E0FAC-92B7-4344-B8CE-D78B9752AB0B}" type="slidenum">
+              <a:rPr lang="en-US" smtClean="0"/>
+              <a:t>13</a:t>
+            </a:fld>
+            <a:endParaRPr lang="en-US"/>
+          </a:p>
+        </p:txBody>
+      </p:sp>
+    </p:spTree>
+    <p:extLst>
+      <p:ext uri="{BB962C8B-B14F-4D97-AF65-F5344CB8AC3E}">
+        <p14:creationId xmlns:p14="http://schemas.microsoft.com/office/powerpoint/2010/main" val="1220508431"/>
+      </p:ext>
+    </p:extLst>
+  </p:cSld>
+  <p:clrMapOvr>
+    <a:masterClrMapping/>
+  </p:clrMapOvr>
+</p:notes>
+</file>
+
+<file path=ppt/notesSlides/notesSlide14.xml><?xml version="1.0" encoding="utf-8"?>
+<p:notes xmlns:a="http://schemas.openxmlformats.org/drawingml/2006/main" xmlns:r="http://schemas.openxmlformats.org/officeDocument/2006/relationships" xmlns:p="http://schemas.openxmlformats.org/presentationml/2006/main">
+  <p:cSld>
+    <p:spTree>
+      <p:nvGrpSpPr>
+        <p:cNvPr id="1" name=""/>
+        <p:cNvGrpSpPr/>
+        <p:nvPr/>
+      </p:nvGrpSpPr>
+      <p:grpSpPr>
+        <a:xfrm>
+          <a:off x="0" y="0"/>
+          <a:ext cx="0" cy="0"/>
+          <a:chOff x="0" y="0"/>
+          <a:chExt cx="0" cy="0"/>
+        </a:xfrm>
+      </p:grpSpPr>
+      <p:sp>
+        <p:nvSpPr>
+          <p:cNvPr id="2" name="Slide Image Placeholder 1"/>
+          <p:cNvSpPr>
+            <a:spLocks noGrp="1" noRot="1" noChangeAspect="1"/>
+          </p:cNvSpPr>
+          <p:nvPr>
+            <p:ph type="sldImg"/>
+          </p:nvPr>
+        </p:nvSpPr>
+        <p:spPr/>
+      </p:sp>
+      <p:sp>
+        <p:nvSpPr>
+          <p:cNvPr id="3" name="Notes Placeholder 2"/>
+          <p:cNvSpPr>
+            <a:spLocks noGrp="1"/>
+          </p:cNvSpPr>
+          <p:nvPr>
+            <p:ph type="body" idx="1"/>
+          </p:nvPr>
+        </p:nvSpPr>
+        <p:spPr/>
+        <p:txBody>
+          <a:bodyPr/>
+          <a:lstStyle/>
+          <a:p>
+            <a:r>
+              <a:rPr lang="en-US" dirty="0" smtClean="0"/>
+              <a:t>Ok. So already mentioned what you can possibly do in preprocessing.</a:t>
+            </a:r>
+            <a:endParaRPr lang="en-US" dirty="0"/>
+          </a:p>
+        </p:txBody>
+      </p:sp>
+      <p:sp>
+        <p:nvSpPr>
+          <p:cNvPr id="4" name="Slide Number Placeholder 3"/>
+          <p:cNvSpPr>
+            <a:spLocks noGrp="1"/>
+          </p:cNvSpPr>
+          <p:nvPr>
+            <p:ph type="sldNum" sz="quarter" idx="10"/>
+          </p:nvPr>
+        </p:nvSpPr>
+        <p:spPr/>
+        <p:txBody>
+          <a:bodyPr/>
+          <a:lstStyle/>
+          <a:p>
+            <a:fld id="{9D3E0FAC-92B7-4344-B8CE-D78B9752AB0B}" type="slidenum">
+              <a:rPr lang="en-US" smtClean="0"/>
+              <a:t>14</a:t>
+            </a:fld>
+            <a:endParaRPr lang="en-US"/>
+          </a:p>
+        </p:txBody>
+      </p:sp>
+    </p:spTree>
+    <p:extLst>
+      <p:ext uri="{BB962C8B-B14F-4D97-AF65-F5344CB8AC3E}">
+        <p14:creationId xmlns:p14="http://schemas.microsoft.com/office/powerpoint/2010/main" val="332668295"/>
+      </p:ext>
+    </p:extLst>
+  </p:cSld>
+  <p:clrMapOvr>
+    <a:masterClrMapping/>
+  </p:clrMapOvr>
+</p:notes>
+</file>
+
+<file path=ppt/notesSlides/notesSlide15.xml><?xml version="1.0" encoding="utf-8"?>
+<p:notes xmlns:a="http://schemas.openxmlformats.org/drawingml/2006/main" xmlns:r="http://schemas.openxmlformats.org/officeDocument/2006/relationships" xmlns:p="http://schemas.openxmlformats.org/presentationml/2006/main">
+  <p:cSld>
+    <p:spTree>
+      <p:nvGrpSpPr>
+        <p:cNvPr id="1" name=""/>
+        <p:cNvGrpSpPr/>
+        <p:nvPr/>
+      </p:nvGrpSpPr>
+      <p:grpSpPr>
+        <a:xfrm>
+          <a:off x="0" y="0"/>
+          <a:ext cx="0" cy="0"/>
+          <a:chOff x="0" y="0"/>
+          <a:chExt cx="0" cy="0"/>
+        </a:xfrm>
+      </p:grpSpPr>
+      <p:sp>
+        <p:nvSpPr>
+          <p:cNvPr id="2" name="Slide Image Placeholder 1"/>
+          <p:cNvSpPr>
+            <a:spLocks noGrp="1" noRot="1" noChangeAspect="1"/>
+          </p:cNvSpPr>
+          <p:nvPr>
+            <p:ph type="sldImg"/>
+          </p:nvPr>
+        </p:nvSpPr>
+        <p:spPr/>
+      </p:sp>
+      <p:sp>
+        <p:nvSpPr>
+          <p:cNvPr id="3" name="Notes Placeholder 2"/>
+          <p:cNvSpPr>
+            <a:spLocks noGrp="1"/>
+          </p:cNvSpPr>
+          <p:nvPr>
+            <p:ph type="body" idx="1"/>
+          </p:nvPr>
+        </p:nvSpPr>
+        <p:spPr/>
+        <p:txBody>
+          <a:bodyPr/>
+          <a:lstStyle/>
+          <a:p>
+            <a:r>
+              <a:rPr lang="en-US" dirty="0" smtClean="0"/>
+              <a:t>So just to elaborate</a:t>
+            </a:r>
+            <a:r>
+              <a:rPr lang="en-US" baseline="0" dirty="0" smtClean="0"/>
+              <a:t> a little more on the statistical features, we are basically looking at the linguistic and other morphological parameters of the text. You can also extract the language using the following libraries in order to generate the statistical features.</a:t>
+            </a:r>
+            <a:endParaRPr lang="en-US" dirty="0"/>
+          </a:p>
+        </p:txBody>
+      </p:sp>
+      <p:sp>
+        <p:nvSpPr>
+          <p:cNvPr id="4" name="Slide Number Placeholder 3"/>
+          <p:cNvSpPr>
+            <a:spLocks noGrp="1"/>
+          </p:cNvSpPr>
+          <p:nvPr>
+            <p:ph type="sldNum" sz="quarter" idx="10"/>
+          </p:nvPr>
+        </p:nvSpPr>
+        <p:spPr/>
+        <p:txBody>
+          <a:bodyPr/>
+          <a:lstStyle/>
+          <a:p>
+            <a:fld id="{9D3E0FAC-92B7-4344-B8CE-D78B9752AB0B}" type="slidenum">
+              <a:rPr lang="en-US" smtClean="0"/>
+              <a:t>15</a:t>
+            </a:fld>
+            <a:endParaRPr lang="en-US"/>
+          </a:p>
+        </p:txBody>
+      </p:sp>
+    </p:spTree>
+    <p:extLst>
+      <p:ext uri="{BB962C8B-B14F-4D97-AF65-F5344CB8AC3E}">
+        <p14:creationId xmlns:p14="http://schemas.microsoft.com/office/powerpoint/2010/main" val="1077535454"/>
+      </p:ext>
+    </p:extLst>
+  </p:cSld>
+  <p:clrMapOvr>
+    <a:masterClrMapping/>
+  </p:clrMapOvr>
+</p:notes>
+</file>
+
+<file path=ppt/notesSlides/notesSlide16.xml><?xml version="1.0" encoding="utf-8"?>
+<p:notes xmlns:a="http://schemas.openxmlformats.org/drawingml/2006/main" xmlns:r="http://schemas.openxmlformats.org/officeDocument/2006/relationships" xmlns:p="http://schemas.openxmlformats.org/presentationml/2006/main">
+  <p:cSld>
+    <p:spTree>
+      <p:nvGrpSpPr>
+        <p:cNvPr id="1" name=""/>
+        <p:cNvGrpSpPr/>
+        <p:nvPr/>
+      </p:nvGrpSpPr>
+      <p:grpSpPr>
+        <a:xfrm>
+          <a:off x="0" y="0"/>
+          <a:ext cx="0" cy="0"/>
+          <a:chOff x="0" y="0"/>
+          <a:chExt cx="0" cy="0"/>
+        </a:xfrm>
+      </p:grpSpPr>
+      <p:sp>
+        <p:nvSpPr>
+          <p:cNvPr id="2" name="Slide Image Placeholder 1"/>
+          <p:cNvSpPr>
+            <a:spLocks noGrp="1" noRot="1" noChangeAspect="1"/>
+          </p:cNvSpPr>
+          <p:nvPr>
+            <p:ph type="sldImg"/>
+          </p:nvPr>
+        </p:nvSpPr>
+        <p:spPr/>
+      </p:sp>
+      <p:sp>
+        <p:nvSpPr>
+          <p:cNvPr id="3" name="Notes Placeholder 2"/>
+          <p:cNvSpPr>
+            <a:spLocks noGrp="1"/>
+          </p:cNvSpPr>
+          <p:nvPr>
+            <p:ph type="body" idx="1"/>
+          </p:nvPr>
+        </p:nvSpPr>
+        <p:spPr/>
+        <p:txBody>
+          <a:bodyPr/>
+          <a:lstStyle/>
+          <a:p>
+            <a:r>
+              <a:rPr lang="en-US" dirty="0" smtClean="0"/>
+              <a:t>So, from here everything</a:t>
+            </a:r>
+            <a:r>
+              <a:rPr lang="en-US" baseline="0" dirty="0" smtClean="0"/>
+              <a:t> which has been explained. I will demonstrate the most of it to give </a:t>
+            </a:r>
+            <a:r>
+              <a:rPr lang="en-US" baseline="0" smtClean="0"/>
+              <a:t>a fundamental idea of what this is meant to work like.</a:t>
+            </a:r>
+            <a:endParaRPr lang="en-US"/>
+          </a:p>
+        </p:txBody>
+      </p:sp>
+      <p:sp>
+        <p:nvSpPr>
+          <p:cNvPr id="4" name="Slide Number Placeholder 3"/>
+          <p:cNvSpPr>
+            <a:spLocks noGrp="1"/>
+          </p:cNvSpPr>
+          <p:nvPr>
+            <p:ph type="sldNum" sz="quarter" idx="10"/>
+          </p:nvPr>
+        </p:nvSpPr>
+        <p:spPr/>
+        <p:txBody>
+          <a:bodyPr/>
+          <a:lstStyle/>
+          <a:p>
+            <a:fld id="{9D3E0FAC-92B7-4344-B8CE-D78B9752AB0B}" type="slidenum">
+              <a:rPr lang="en-US" smtClean="0"/>
+              <a:t>16</a:t>
+            </a:fld>
+            <a:endParaRPr lang="en-US"/>
+          </a:p>
+        </p:txBody>
+      </p:sp>
+    </p:spTree>
+    <p:extLst>
+      <p:ext uri="{BB962C8B-B14F-4D97-AF65-F5344CB8AC3E}">
+        <p14:creationId xmlns:p14="http://schemas.microsoft.com/office/powerpoint/2010/main" val="550033428"/>
+      </p:ext>
+    </p:extLst>
+  </p:cSld>
+  <p:clrMapOvr>
+    <a:masterClrMapping/>
+  </p:clrMapOvr>
+</p:notes>
+</file>
+
+<file path=ppt/notesSlides/notesSlide2.xml><?xml version="1.0" encoding="utf-8"?>
+<p:notes xmlns:a="http://schemas.openxmlformats.org/drawingml/2006/main" xmlns:r="http://schemas.openxmlformats.org/officeDocument/2006/relationships" xmlns:p="http://schemas.openxmlformats.org/presentationml/2006/main">
+  <p:cSld>
+    <p:spTree>
+      <p:nvGrpSpPr>
+        <p:cNvPr id="1" name=""/>
+        <p:cNvGrpSpPr/>
+        <p:nvPr/>
+      </p:nvGrpSpPr>
+      <p:grpSpPr>
+        <a:xfrm>
+          <a:off x="0" y="0"/>
+          <a:ext cx="0" cy="0"/>
+          <a:chOff x="0" y="0"/>
+          <a:chExt cx="0" cy="0"/>
+        </a:xfrm>
+      </p:grpSpPr>
+      <p:sp>
+        <p:nvSpPr>
+          <p:cNvPr id="2" name="Slide Image Placeholder 1"/>
+          <p:cNvSpPr>
+            <a:spLocks noGrp="1" noRot="1" noChangeAspect="1"/>
+          </p:cNvSpPr>
+          <p:nvPr>
+            <p:ph type="sldImg"/>
+          </p:nvPr>
+        </p:nvSpPr>
+        <p:spPr/>
+      </p:sp>
+      <p:sp>
+        <p:nvSpPr>
+          <p:cNvPr id="3" name="Notes Placeholder 2"/>
+          <p:cNvSpPr>
+            <a:spLocks noGrp="1"/>
+          </p:cNvSpPr>
+          <p:nvPr>
+            <p:ph type="body" idx="1"/>
+          </p:nvPr>
+        </p:nvSpPr>
+        <p:spPr/>
+        <p:txBody>
+          <a:bodyPr/>
+          <a:lstStyle/>
+          <a:p>
+            <a:pPr marL="0" marR="0" indent="0" algn="l" defTabSz="914400" rtl="0" eaLnBrk="1" fontAlgn="auto" latinLnBrk="0" hangingPunct="1">
+              <a:lnSpc>
+                <a:spcPct val="100000"/>
+              </a:lnSpc>
+              <a:spcBef>
+                <a:spcPts val="0"/>
+              </a:spcBef>
+              <a:spcAft>
+                <a:spcPts val="0"/>
+              </a:spcAft>
+              <a:buClrTx/>
+              <a:buSzTx/>
+              <a:buFontTx/>
+              <a:buNone/>
+              <a:tabLst/>
+              <a:defRPr/>
+            </a:pPr>
+            <a:r>
+              <a:rPr lang="en-US" dirty="0" smtClean="0"/>
+              <a:t>So, broadly there are two families</a:t>
+            </a:r>
+            <a:r>
+              <a:rPr lang="en-US" baseline="0" dirty="0" smtClean="0"/>
+              <a:t> of classification methods: supervised and unsupervised approaches. Usually in supervised classification methods, we first get a human annotated data which are </a:t>
+            </a:r>
+            <a:r>
+              <a:rPr lang="en-US" baseline="0" dirty="0" err="1" smtClean="0"/>
+              <a:t>categorised</a:t>
+            </a:r>
+            <a:r>
+              <a:rPr lang="en-US" baseline="0" dirty="0" smtClean="0"/>
+              <a:t> into labels and classes. And then we use these are the ground truth data to train the classifier so they can automatically learn to classify new unseen data into these labels/categories. In UNSUPERVISED classification, we do not provide any training data a priori, instead discover the related elements based on some similarity metric.</a:t>
+            </a:r>
+            <a:endParaRPr lang="en-US" dirty="0" smtClean="0"/>
+          </a:p>
+        </p:txBody>
+      </p:sp>
+      <p:sp>
+        <p:nvSpPr>
+          <p:cNvPr id="4" name="Slide Number Placeholder 3"/>
+          <p:cNvSpPr>
+            <a:spLocks noGrp="1"/>
+          </p:cNvSpPr>
+          <p:nvPr>
+            <p:ph type="sldNum" sz="quarter" idx="10"/>
+          </p:nvPr>
+        </p:nvSpPr>
+        <p:spPr/>
+        <p:txBody>
+          <a:bodyPr/>
+          <a:lstStyle/>
+          <a:p>
+            <a:fld id="{9D3E0FAC-92B7-4344-B8CE-D78B9752AB0B}" type="slidenum">
+              <a:rPr lang="en-US" smtClean="0"/>
+              <a:t>2</a:t>
+            </a:fld>
+            <a:endParaRPr lang="en-US"/>
+          </a:p>
+        </p:txBody>
+      </p:sp>
+    </p:spTree>
+    <p:extLst>
+      <p:ext uri="{BB962C8B-B14F-4D97-AF65-F5344CB8AC3E}">
+        <p14:creationId xmlns:p14="http://schemas.microsoft.com/office/powerpoint/2010/main" val="661227758"/>
+      </p:ext>
+    </p:extLst>
+  </p:cSld>
+  <p:clrMapOvr>
+    <a:masterClrMapping/>
+  </p:clrMapOvr>
+</p:notes>
+</file>
+
+<file path=ppt/notesSlides/notesSlide3.xml><?xml version="1.0" encoding="utf-8"?>
+<p:notes xmlns:a="http://schemas.openxmlformats.org/drawingml/2006/main" xmlns:r="http://schemas.openxmlformats.org/officeDocument/2006/relationships" xmlns:p="http://schemas.openxmlformats.org/presentationml/2006/main">
+  <p:cSld>
+    <p:spTree>
+      <p:nvGrpSpPr>
+        <p:cNvPr id="1" name=""/>
+        <p:cNvGrpSpPr/>
+        <p:nvPr/>
+      </p:nvGrpSpPr>
+      <p:grpSpPr>
+        <a:xfrm>
+          <a:off x="0" y="0"/>
+          <a:ext cx="0" cy="0"/>
+          <a:chOff x="0" y="0"/>
+          <a:chExt cx="0" cy="0"/>
+        </a:xfrm>
+      </p:grpSpPr>
+      <p:sp>
+        <p:nvSpPr>
+          <p:cNvPr id="2" name="Slide Image Placeholder 1"/>
+          <p:cNvSpPr>
+            <a:spLocks noGrp="1" noRot="1" noChangeAspect="1"/>
+          </p:cNvSpPr>
+          <p:nvPr>
+            <p:ph type="sldImg"/>
+          </p:nvPr>
+        </p:nvSpPr>
+        <p:spPr/>
+      </p:sp>
+      <p:sp>
+        <p:nvSpPr>
+          <p:cNvPr id="3" name="Notes Placeholder 2"/>
+          <p:cNvSpPr>
+            <a:spLocks noGrp="1"/>
+          </p:cNvSpPr>
+          <p:nvPr>
+            <p:ph type="body" idx="1"/>
+          </p:nvPr>
+        </p:nvSpPr>
+        <p:spPr/>
+        <p:txBody>
+          <a:bodyPr/>
+          <a:lstStyle/>
+          <a:p>
+            <a:r>
+              <a:rPr lang="en-US" dirty="0" smtClean="0"/>
+              <a:t>Often</a:t>
+            </a:r>
+            <a:r>
+              <a:rPr lang="en-US" baseline="0" dirty="0" smtClean="0"/>
+              <a:t> the classification problem is reduced to three main scenarios: binary, multiclass, and multi-label. In this work and demonstration, we are going explore the binary classification problem. Following are the more common machine learning algorithms that have been seen to be used in such type of problems in the literature.</a:t>
+            </a:r>
+            <a:endParaRPr lang="en-US" dirty="0"/>
+          </a:p>
+        </p:txBody>
+      </p:sp>
+      <p:sp>
+        <p:nvSpPr>
+          <p:cNvPr id="4" name="Slide Number Placeholder 3"/>
+          <p:cNvSpPr>
+            <a:spLocks noGrp="1"/>
+          </p:cNvSpPr>
+          <p:nvPr>
+            <p:ph type="sldNum" sz="quarter" idx="10"/>
+          </p:nvPr>
+        </p:nvSpPr>
+        <p:spPr/>
+        <p:txBody>
+          <a:bodyPr/>
+          <a:lstStyle/>
+          <a:p>
+            <a:fld id="{9D3E0FAC-92B7-4344-B8CE-D78B9752AB0B}" type="slidenum">
+              <a:rPr lang="en-US" smtClean="0"/>
+              <a:t>3</a:t>
+            </a:fld>
+            <a:endParaRPr lang="en-US"/>
+          </a:p>
+        </p:txBody>
+      </p:sp>
+    </p:spTree>
+    <p:extLst>
+      <p:ext uri="{BB962C8B-B14F-4D97-AF65-F5344CB8AC3E}">
+        <p14:creationId xmlns:p14="http://schemas.microsoft.com/office/powerpoint/2010/main" val="1729782841"/>
+      </p:ext>
+    </p:extLst>
+  </p:cSld>
+  <p:clrMapOvr>
+    <a:masterClrMapping/>
+  </p:clrMapOvr>
+</p:notes>
+</file>
+
+<file path=ppt/notesSlides/notesSlide4.xml><?xml version="1.0" encoding="utf-8"?>
+<p:notes xmlns:a="http://schemas.openxmlformats.org/drawingml/2006/main" xmlns:r="http://schemas.openxmlformats.org/officeDocument/2006/relationships" xmlns:p="http://schemas.openxmlformats.org/presentationml/2006/main">
+  <p:cSld>
+    <p:spTree>
+      <p:nvGrpSpPr>
+        <p:cNvPr id="1" name=""/>
+        <p:cNvGrpSpPr/>
+        <p:nvPr/>
+      </p:nvGrpSpPr>
+      <p:grpSpPr>
+        <a:xfrm>
+          <a:off x="0" y="0"/>
+          <a:ext cx="0" cy="0"/>
+          <a:chOff x="0" y="0"/>
+          <a:chExt cx="0" cy="0"/>
+        </a:xfrm>
+      </p:grpSpPr>
+      <p:sp>
+        <p:nvSpPr>
+          <p:cNvPr id="2" name="Slide Image Placeholder 1"/>
+          <p:cNvSpPr>
+            <a:spLocks noGrp="1" noRot="1" noChangeAspect="1"/>
+          </p:cNvSpPr>
+          <p:nvPr>
+            <p:ph type="sldImg"/>
+          </p:nvPr>
+        </p:nvSpPr>
+        <p:spPr/>
+      </p:sp>
+      <p:sp>
+        <p:nvSpPr>
+          <p:cNvPr id="3" name="Notes Placeholder 2"/>
+          <p:cNvSpPr>
+            <a:spLocks noGrp="1"/>
+          </p:cNvSpPr>
+          <p:nvPr>
+            <p:ph type="body" idx="1"/>
+          </p:nvPr>
+        </p:nvSpPr>
+        <p:spPr/>
+        <p:txBody>
+          <a:bodyPr/>
+          <a:lstStyle/>
+          <a:p>
+            <a:r>
+              <a:rPr lang="en-US" dirty="0" smtClean="0"/>
+              <a:t>As</a:t>
+            </a:r>
+            <a:r>
+              <a:rPr lang="en-US" baseline="0" dirty="0" smtClean="0"/>
+              <a:t> a broad overview to the approach we are going to discuss- we adapt the method of adding the external semantics to the original text document. The n-grams are tokenized, and for each token if we can add the semantics, then it is expected to increase the contextual consistency within the crisis related information. And this aid the classifier in its discriminative power. Other than semantics we also extract statistical features.</a:t>
+            </a:r>
+            <a:endParaRPr lang="en-US" dirty="0"/>
+          </a:p>
+        </p:txBody>
+      </p:sp>
+      <p:sp>
+        <p:nvSpPr>
+          <p:cNvPr id="4" name="Slide Number Placeholder 3"/>
+          <p:cNvSpPr>
+            <a:spLocks noGrp="1"/>
+          </p:cNvSpPr>
+          <p:nvPr>
+            <p:ph type="sldNum" sz="quarter" idx="10"/>
+          </p:nvPr>
+        </p:nvSpPr>
+        <p:spPr/>
+        <p:txBody>
+          <a:bodyPr/>
+          <a:lstStyle/>
+          <a:p>
+            <a:fld id="{9D3E0FAC-92B7-4344-B8CE-D78B9752AB0B}" type="slidenum">
+              <a:rPr lang="en-US" smtClean="0"/>
+              <a:t>4</a:t>
+            </a:fld>
+            <a:endParaRPr lang="en-US"/>
+          </a:p>
+        </p:txBody>
+      </p:sp>
+    </p:spTree>
+    <p:extLst>
+      <p:ext uri="{BB962C8B-B14F-4D97-AF65-F5344CB8AC3E}">
+        <p14:creationId xmlns:p14="http://schemas.microsoft.com/office/powerpoint/2010/main" val="872209083"/>
+      </p:ext>
+    </p:extLst>
+  </p:cSld>
+  <p:clrMapOvr>
+    <a:masterClrMapping/>
+  </p:clrMapOvr>
+</p:notes>
+</file>
+
+<file path=ppt/notesSlides/notesSlide5.xml><?xml version="1.0" encoding="utf-8"?>
+<p:notes xmlns:a="http://schemas.openxmlformats.org/drawingml/2006/main" xmlns:r="http://schemas.openxmlformats.org/officeDocument/2006/relationships" xmlns:p="http://schemas.openxmlformats.org/presentationml/2006/main">
+  <p:cSld>
+    <p:spTree>
+      <p:nvGrpSpPr>
+        <p:cNvPr id="1" name=""/>
+        <p:cNvGrpSpPr/>
+        <p:nvPr/>
+      </p:nvGrpSpPr>
+      <p:grpSpPr>
+        <a:xfrm>
+          <a:off x="0" y="0"/>
+          <a:ext cx="0" cy="0"/>
+          <a:chOff x="0" y="0"/>
+          <a:chExt cx="0" cy="0"/>
+        </a:xfrm>
+      </p:grpSpPr>
+      <p:sp>
+        <p:nvSpPr>
+          <p:cNvPr id="2" name="Slide Image Placeholder 1"/>
+          <p:cNvSpPr>
+            <a:spLocks noGrp="1" noRot="1" noChangeAspect="1"/>
+          </p:cNvSpPr>
+          <p:nvPr>
+            <p:ph type="sldImg"/>
+          </p:nvPr>
+        </p:nvSpPr>
+        <p:spPr/>
+      </p:sp>
+      <p:sp>
+        <p:nvSpPr>
+          <p:cNvPr id="3" name="Notes Placeholder 2"/>
+          <p:cNvSpPr>
+            <a:spLocks noGrp="1"/>
+          </p:cNvSpPr>
+          <p:nvPr>
+            <p:ph type="body" idx="1"/>
+          </p:nvPr>
+        </p:nvSpPr>
+        <p:spPr/>
+        <p:txBody>
+          <a:bodyPr/>
+          <a:lstStyle/>
+          <a:p>
+            <a:r>
+              <a:rPr lang="en-US" dirty="0" smtClean="0"/>
+              <a:t>As shown here we determine a number of statistical features: length,</a:t>
+            </a:r>
+            <a:r>
+              <a:rPr lang="en-US" baseline="0" dirty="0" smtClean="0"/>
+              <a:t> number of words, various part of speech such as noun, verbs, pronouns, hashtags, and some can also calculate the readability score that scores a tweet on how easy or complicated it is structured to read. Gunning Fox Index is one of the methods to calculate that.</a:t>
+            </a:r>
+            <a:endParaRPr lang="en-US" dirty="0"/>
+          </a:p>
+        </p:txBody>
+      </p:sp>
+      <p:sp>
+        <p:nvSpPr>
+          <p:cNvPr id="4" name="Slide Number Placeholder 3"/>
+          <p:cNvSpPr>
+            <a:spLocks noGrp="1"/>
+          </p:cNvSpPr>
+          <p:nvPr>
+            <p:ph type="sldNum" sz="quarter" idx="10"/>
+          </p:nvPr>
+        </p:nvSpPr>
+        <p:spPr/>
+        <p:txBody>
+          <a:bodyPr/>
+          <a:lstStyle/>
+          <a:p>
+            <a:fld id="{9D3E0FAC-92B7-4344-B8CE-D78B9752AB0B}" type="slidenum">
+              <a:rPr lang="en-US" smtClean="0"/>
+              <a:t>5</a:t>
+            </a:fld>
+            <a:endParaRPr lang="en-US"/>
+          </a:p>
+        </p:txBody>
+      </p:sp>
+    </p:spTree>
+    <p:extLst>
+      <p:ext uri="{BB962C8B-B14F-4D97-AF65-F5344CB8AC3E}">
+        <p14:creationId xmlns:p14="http://schemas.microsoft.com/office/powerpoint/2010/main" val="1022196059"/>
+      </p:ext>
+    </p:extLst>
+  </p:cSld>
+  <p:clrMapOvr>
+    <a:masterClrMapping/>
+  </p:clrMapOvr>
+</p:notes>
+</file>
+
+<file path=ppt/notesSlides/notesSlide6.xml><?xml version="1.0" encoding="utf-8"?>
+<p:notes xmlns:a="http://schemas.openxmlformats.org/drawingml/2006/main" xmlns:r="http://schemas.openxmlformats.org/officeDocument/2006/relationships" xmlns:p="http://schemas.openxmlformats.org/presentationml/2006/main">
+  <p:cSld>
+    <p:spTree>
+      <p:nvGrpSpPr>
+        <p:cNvPr id="1" name=""/>
+        <p:cNvGrpSpPr/>
+        <p:nvPr/>
+      </p:nvGrpSpPr>
+      <p:grpSpPr>
+        <a:xfrm>
+          <a:off x="0" y="0"/>
+          <a:ext cx="0" cy="0"/>
+          <a:chOff x="0" y="0"/>
+          <a:chExt cx="0" cy="0"/>
+        </a:xfrm>
+      </p:grpSpPr>
+      <p:sp>
+        <p:nvSpPr>
+          <p:cNvPr id="2" name="Slide Image Placeholder 1"/>
+          <p:cNvSpPr>
+            <a:spLocks noGrp="1" noRot="1" noChangeAspect="1"/>
+          </p:cNvSpPr>
+          <p:nvPr>
+            <p:ph type="sldImg"/>
+          </p:nvPr>
+        </p:nvSpPr>
+        <p:spPr/>
+      </p:sp>
+      <p:sp>
+        <p:nvSpPr>
+          <p:cNvPr id="3" name="Notes Placeholder 2"/>
+          <p:cNvSpPr>
+            <a:spLocks noGrp="1"/>
+          </p:cNvSpPr>
+          <p:nvPr>
+            <p:ph type="body" idx="1"/>
+          </p:nvPr>
+        </p:nvSpPr>
+        <p:spPr/>
+        <p:txBody>
+          <a:bodyPr/>
+          <a:lstStyle/>
+          <a:p>
+            <a:r>
+              <a:rPr lang="en-US" dirty="0" smtClean="0"/>
+              <a:t>When it comes to the semantics,</a:t>
+            </a:r>
+            <a:r>
+              <a:rPr lang="en-US" baseline="0" dirty="0" smtClean="0"/>
+              <a:t> there are various additional knowledge that we can think of. Co-occurring words (words that are very common to occur together across large scale corpuses). Word-</a:t>
+            </a:r>
+            <a:r>
+              <a:rPr lang="en-US" baseline="0" dirty="0" err="1" smtClean="0"/>
+              <a:t>embeddings</a:t>
+            </a:r>
+            <a:r>
+              <a:rPr lang="en-US" baseline="0" dirty="0" smtClean="0"/>
+              <a:t> are a good example of it. Extracted entities- the fragments in the text can actually refer to a particular entity, so incorporating the entity along with the original text can sharpen the context more. Next, we can refer to the knowledge base (such as </a:t>
+            </a:r>
+            <a:r>
+              <a:rPr lang="en-US" baseline="0" dirty="0" err="1" smtClean="0"/>
+              <a:t>DBpedia</a:t>
+            </a:r>
+            <a:r>
+              <a:rPr lang="en-US" baseline="0" dirty="0" smtClean="0"/>
+              <a:t>) to retrieve extra information/properties about that entity. We can also use hierarchical context (from </a:t>
+            </a:r>
+            <a:r>
+              <a:rPr lang="en-US" baseline="0" dirty="0" err="1" smtClean="0"/>
+              <a:t>WordNet</a:t>
+            </a:r>
+            <a:r>
+              <a:rPr lang="en-US" baseline="0" dirty="0" smtClean="0"/>
+              <a:t>) to retrieve </a:t>
+            </a:r>
+            <a:r>
+              <a:rPr lang="en-US" baseline="0" dirty="0" err="1" smtClean="0"/>
+              <a:t>hypernyms</a:t>
+            </a:r>
+            <a:r>
+              <a:rPr lang="en-US" baseline="0" dirty="0" smtClean="0"/>
+              <a:t>, synonyms to each concept to </a:t>
+            </a:r>
+            <a:r>
+              <a:rPr lang="en-US" baseline="0" dirty="0" err="1" smtClean="0"/>
+              <a:t>generalise</a:t>
+            </a:r>
+            <a:r>
+              <a:rPr lang="en-US" baseline="0" dirty="0" smtClean="0"/>
+              <a:t> the context more.</a:t>
+            </a:r>
+            <a:endParaRPr lang="en-US" dirty="0"/>
+          </a:p>
+        </p:txBody>
+      </p:sp>
+      <p:sp>
+        <p:nvSpPr>
+          <p:cNvPr id="4" name="Slide Number Placeholder 3"/>
+          <p:cNvSpPr>
+            <a:spLocks noGrp="1"/>
+          </p:cNvSpPr>
+          <p:nvPr>
+            <p:ph type="sldNum" sz="quarter" idx="10"/>
+          </p:nvPr>
+        </p:nvSpPr>
+        <p:spPr/>
+        <p:txBody>
+          <a:bodyPr/>
+          <a:lstStyle/>
+          <a:p>
+            <a:fld id="{9D3E0FAC-92B7-4344-B8CE-D78B9752AB0B}" type="slidenum">
+              <a:rPr lang="en-US" smtClean="0"/>
+              <a:t>6</a:t>
+            </a:fld>
+            <a:endParaRPr lang="en-US"/>
+          </a:p>
+        </p:txBody>
+      </p:sp>
+    </p:spTree>
+    <p:extLst>
+      <p:ext uri="{BB962C8B-B14F-4D97-AF65-F5344CB8AC3E}">
+        <p14:creationId xmlns:p14="http://schemas.microsoft.com/office/powerpoint/2010/main" val="1930035085"/>
+      </p:ext>
+    </p:extLst>
+  </p:cSld>
+  <p:clrMapOvr>
+    <a:masterClrMapping/>
+  </p:clrMapOvr>
+</p:notes>
+</file>
+
+<file path=ppt/notesSlides/notesSlide7.xml><?xml version="1.0" encoding="utf-8"?>
+<p:notes xmlns:a="http://schemas.openxmlformats.org/drawingml/2006/main" xmlns:r="http://schemas.openxmlformats.org/officeDocument/2006/relationships" xmlns:p="http://schemas.openxmlformats.org/presentationml/2006/main">
+  <p:cSld>
+    <p:spTree>
+      <p:nvGrpSpPr>
+        <p:cNvPr id="1" name=""/>
+        <p:cNvGrpSpPr/>
+        <p:nvPr/>
+      </p:nvGrpSpPr>
+      <p:grpSpPr>
+        <a:xfrm>
+          <a:off x="0" y="0"/>
+          <a:ext cx="0" cy="0"/>
+          <a:chOff x="0" y="0"/>
+          <a:chExt cx="0" cy="0"/>
+        </a:xfrm>
+      </p:grpSpPr>
+      <p:sp>
+        <p:nvSpPr>
+          <p:cNvPr id="2" name="Slide Image Placeholder 1"/>
+          <p:cNvSpPr>
+            <a:spLocks noGrp="1" noRot="1" noChangeAspect="1"/>
+          </p:cNvSpPr>
+          <p:nvPr>
+            <p:ph type="sldImg"/>
+          </p:nvPr>
+        </p:nvSpPr>
+        <p:spPr/>
+      </p:sp>
+      <p:sp>
+        <p:nvSpPr>
+          <p:cNvPr id="3" name="Notes Placeholder 2"/>
+          <p:cNvSpPr>
+            <a:spLocks noGrp="1"/>
+          </p:cNvSpPr>
+          <p:nvPr>
+            <p:ph type="body" idx="1"/>
+          </p:nvPr>
+        </p:nvSpPr>
+        <p:spPr/>
+        <p:txBody>
+          <a:bodyPr/>
+          <a:lstStyle/>
+          <a:p>
+            <a:r>
+              <a:rPr lang="en-US" dirty="0" smtClean="0"/>
+              <a:t>Here is an example of using </a:t>
+            </a:r>
+            <a:r>
+              <a:rPr lang="en-US" dirty="0" err="1" smtClean="0"/>
+              <a:t>BabelNet</a:t>
+            </a:r>
+            <a:r>
+              <a:rPr lang="en-US" dirty="0" smtClean="0"/>
+              <a:t> to semantically enrich a tweet</a:t>
+            </a:r>
+            <a:r>
+              <a:rPr lang="en-US" baseline="0" dirty="0" smtClean="0"/>
+              <a:t> by extracting entities and their </a:t>
+            </a:r>
+            <a:r>
+              <a:rPr lang="en-US" baseline="0" dirty="0" err="1" smtClean="0"/>
+              <a:t>hypernyms</a:t>
+            </a:r>
+            <a:r>
+              <a:rPr lang="en-US" baseline="0" dirty="0" smtClean="0"/>
+              <a:t>.</a:t>
+            </a:r>
+            <a:endParaRPr lang="en-US" dirty="0"/>
+          </a:p>
+        </p:txBody>
+      </p:sp>
+      <p:sp>
+        <p:nvSpPr>
+          <p:cNvPr id="4" name="Slide Number Placeholder 3"/>
+          <p:cNvSpPr>
+            <a:spLocks noGrp="1"/>
+          </p:cNvSpPr>
+          <p:nvPr>
+            <p:ph type="sldNum" sz="quarter" idx="10"/>
+          </p:nvPr>
+        </p:nvSpPr>
+        <p:spPr/>
+        <p:txBody>
+          <a:bodyPr/>
+          <a:lstStyle/>
+          <a:p>
+            <a:fld id="{9D3E0FAC-92B7-4344-B8CE-D78B9752AB0B}" type="slidenum">
+              <a:rPr lang="en-US" smtClean="0"/>
+              <a:t>7</a:t>
+            </a:fld>
+            <a:endParaRPr lang="en-US"/>
+          </a:p>
+        </p:txBody>
+      </p:sp>
+    </p:spTree>
+    <p:extLst>
+      <p:ext uri="{BB962C8B-B14F-4D97-AF65-F5344CB8AC3E}">
+        <p14:creationId xmlns:p14="http://schemas.microsoft.com/office/powerpoint/2010/main" val="931326851"/>
+      </p:ext>
+    </p:extLst>
+  </p:cSld>
+  <p:clrMapOvr>
+    <a:masterClrMapping/>
+  </p:clrMapOvr>
+</p:notes>
+</file>
+
+<file path=ppt/notesSlides/notesSlide8.xml><?xml version="1.0" encoding="utf-8"?>
+<p:notes xmlns:a="http://schemas.openxmlformats.org/drawingml/2006/main" xmlns:r="http://schemas.openxmlformats.org/officeDocument/2006/relationships" xmlns:p="http://schemas.openxmlformats.org/presentationml/2006/main">
+  <p:cSld>
+    <p:spTree>
+      <p:nvGrpSpPr>
+        <p:cNvPr id="1" name=""/>
+        <p:cNvGrpSpPr/>
+        <p:nvPr/>
+      </p:nvGrpSpPr>
+      <p:grpSpPr>
+        <a:xfrm>
+          <a:off x="0" y="0"/>
+          <a:ext cx="0" cy="0"/>
+          <a:chOff x="0" y="0"/>
+          <a:chExt cx="0" cy="0"/>
+        </a:xfrm>
+      </p:grpSpPr>
+      <p:sp>
+        <p:nvSpPr>
+          <p:cNvPr id="2" name="Slide Image Placeholder 1"/>
+          <p:cNvSpPr>
+            <a:spLocks noGrp="1" noRot="1" noChangeAspect="1"/>
+          </p:cNvSpPr>
+          <p:nvPr>
+            <p:ph type="sldImg"/>
+          </p:nvPr>
+        </p:nvSpPr>
+        <p:spPr/>
+      </p:sp>
+      <p:sp>
+        <p:nvSpPr>
+          <p:cNvPr id="3" name="Notes Placeholder 2"/>
+          <p:cNvSpPr>
+            <a:spLocks noGrp="1"/>
+          </p:cNvSpPr>
+          <p:nvPr>
+            <p:ph type="body" idx="1"/>
+          </p:nvPr>
+        </p:nvSpPr>
+        <p:spPr/>
+        <p:txBody>
+          <a:bodyPr/>
+          <a:lstStyle/>
+          <a:p>
+            <a:r>
+              <a:rPr lang="en-US" dirty="0" smtClean="0"/>
+              <a:t>Just to get an idea about how the</a:t>
+            </a:r>
+            <a:r>
+              <a:rPr lang="en-US" baseline="0" dirty="0" smtClean="0"/>
+              <a:t> semantic enhancement would transform the text feature representation.</a:t>
+            </a:r>
+            <a:endParaRPr lang="en-US" dirty="0"/>
+          </a:p>
+        </p:txBody>
+      </p:sp>
+      <p:sp>
+        <p:nvSpPr>
+          <p:cNvPr id="4" name="Slide Number Placeholder 3"/>
+          <p:cNvSpPr>
+            <a:spLocks noGrp="1"/>
+          </p:cNvSpPr>
+          <p:nvPr>
+            <p:ph type="sldNum" sz="quarter" idx="10"/>
+          </p:nvPr>
+        </p:nvSpPr>
+        <p:spPr/>
+        <p:txBody>
+          <a:bodyPr/>
+          <a:lstStyle/>
+          <a:p>
+            <a:fld id="{9D3E0FAC-92B7-4344-B8CE-D78B9752AB0B}" type="slidenum">
+              <a:rPr lang="en-US" smtClean="0"/>
+              <a:t>8</a:t>
+            </a:fld>
+            <a:endParaRPr lang="en-US"/>
+          </a:p>
+        </p:txBody>
+      </p:sp>
+    </p:spTree>
+    <p:extLst>
+      <p:ext uri="{BB962C8B-B14F-4D97-AF65-F5344CB8AC3E}">
+        <p14:creationId xmlns:p14="http://schemas.microsoft.com/office/powerpoint/2010/main" val="334776557"/>
+      </p:ext>
+    </p:extLst>
+  </p:cSld>
+  <p:clrMapOvr>
+    <a:masterClrMapping/>
+  </p:clrMapOvr>
+</p:notes>
+</file>
+
+<file path=ppt/notesSlides/notesSlide9.xml><?xml version="1.0" encoding="utf-8"?>
+<p:notes xmlns:a="http://schemas.openxmlformats.org/drawingml/2006/main" xmlns:r="http://schemas.openxmlformats.org/officeDocument/2006/relationships" xmlns:p="http://schemas.openxmlformats.org/presentationml/2006/main">
+  <p:cSld>
+    <p:spTree>
+      <p:nvGrpSpPr>
+        <p:cNvPr id="1" name=""/>
+        <p:cNvGrpSpPr/>
+        <p:nvPr/>
+      </p:nvGrpSpPr>
+      <p:grpSpPr>
+        <a:xfrm>
+          <a:off x="0" y="0"/>
+          <a:ext cx="0" cy="0"/>
+          <a:chOff x="0" y="0"/>
+          <a:chExt cx="0" cy="0"/>
+        </a:xfrm>
+      </p:grpSpPr>
+      <p:sp>
+        <p:nvSpPr>
+          <p:cNvPr id="2" name="Slide Image Placeholder 1"/>
+          <p:cNvSpPr>
+            <a:spLocks noGrp="1" noRot="1" noChangeAspect="1"/>
+          </p:cNvSpPr>
+          <p:nvPr>
+            <p:ph type="sldImg"/>
+          </p:nvPr>
+        </p:nvSpPr>
+        <p:spPr/>
+      </p:sp>
+      <p:sp>
+        <p:nvSpPr>
+          <p:cNvPr id="3" name="Notes Placeholder 2"/>
+          <p:cNvSpPr>
+            <a:spLocks noGrp="1"/>
+          </p:cNvSpPr>
+          <p:nvPr>
+            <p:ph type="body" idx="1"/>
+          </p:nvPr>
+        </p:nvSpPr>
+        <p:spPr/>
+        <p:txBody>
+          <a:bodyPr/>
+          <a:lstStyle/>
+          <a:p>
+            <a:r>
+              <a:rPr lang="en-US" dirty="0" smtClean="0"/>
+              <a:t>Now, we look at the statistical features .</a:t>
+            </a:r>
+            <a:r>
+              <a:rPr lang="en-US" baseline="0" dirty="0" smtClean="0"/>
+              <a:t> So, in the above example we find out following number of nouns verbs, pronouns, length etc. So the overall feature set representation looks like this. Token 1 to Token N are basically different </a:t>
+            </a:r>
+            <a:r>
+              <a:rPr lang="en-US" baseline="0" dirty="0" err="1" smtClean="0"/>
+              <a:t>uni</a:t>
+            </a:r>
+            <a:r>
+              <a:rPr lang="en-US" baseline="0" dirty="0" smtClean="0"/>
+              <a:t>-grams in a text and then these 6 statistical features. In this type of case, we </a:t>
+            </a:r>
+            <a:r>
+              <a:rPr lang="en-US" baseline="0" dirty="0" err="1" smtClean="0"/>
+              <a:t>utilise</a:t>
+            </a:r>
+            <a:r>
+              <a:rPr lang="en-US" baseline="0" dirty="0" smtClean="0"/>
+              <a:t> both the statistical attributes as well as knowledge from external knowledge bases.</a:t>
+            </a:r>
+            <a:endParaRPr lang="en-US" dirty="0"/>
+          </a:p>
+        </p:txBody>
+      </p:sp>
+      <p:sp>
+        <p:nvSpPr>
+          <p:cNvPr id="4" name="Slide Number Placeholder 3"/>
+          <p:cNvSpPr>
+            <a:spLocks noGrp="1"/>
+          </p:cNvSpPr>
+          <p:nvPr>
+            <p:ph type="sldNum" sz="quarter" idx="10"/>
+          </p:nvPr>
+        </p:nvSpPr>
+        <p:spPr/>
+        <p:txBody>
+          <a:bodyPr/>
+          <a:lstStyle/>
+          <a:p>
+            <a:fld id="{9D3E0FAC-92B7-4344-B8CE-D78B9752AB0B}" type="slidenum">
+              <a:rPr lang="en-US" smtClean="0"/>
+              <a:t>9</a:t>
+            </a:fld>
+            <a:endParaRPr lang="en-US"/>
+          </a:p>
+        </p:txBody>
+      </p:sp>
+    </p:spTree>
+    <p:extLst>
+      <p:ext uri="{BB962C8B-B14F-4D97-AF65-F5344CB8AC3E}">
+        <p14:creationId xmlns:p14="http://schemas.microsoft.com/office/powerpoint/2010/main" val="224202345"/>
       </p:ext>
     </p:extLst>
   </p:cSld>
@@ -4578,17 +6099,49 @@
               <a:rPr lang="en-US" dirty="0" err="1"/>
               <a:t>CrisisLex</a:t>
             </a:r>
+            <a:r>
+              <a:rPr lang="en-US" dirty="0"/>
+              <a:t>- </a:t>
+            </a:r>
+            <a:r>
+              <a:rPr lang="en-US" sz="1500" dirty="0"/>
+              <a:t>http://</a:t>
+            </a:r>
+            <a:r>
+              <a:rPr lang="en-US" sz="1500" dirty="0" err="1"/>
+              <a:t>crisislex.org</a:t>
+            </a:r>
+            <a:r>
+              <a:rPr lang="en-US" sz="1500" dirty="0"/>
+              <a:t>/</a:t>
+            </a:r>
+            <a:endParaRPr lang="en-US" sz="1500" dirty="0"/>
+          </a:p>
+          <a:p>
             <a:endParaRPr lang="en-US" dirty="0"/>
           </a:p>
           <a:p>
-            <a:endParaRPr lang="en-US" dirty="0"/>
-          </a:p>
-          <a:p>
-            <a:r>
-              <a:rPr lang="en-US" dirty="0" err="1"/>
+            <a:r>
+              <a:rPr lang="en-US" dirty="0" err="1" smtClean="0"/>
               <a:t>CrisisNLP</a:t>
             </a:r>
-            <a:endParaRPr lang="en-US" dirty="0"/>
+            <a:r>
+              <a:rPr lang="en-US" dirty="0"/>
+              <a:t> - </a:t>
+            </a:r>
+            <a:r>
+              <a:rPr lang="en-US" sz="1500" dirty="0"/>
+              <a:t>http://</a:t>
+            </a:r>
+            <a:r>
+              <a:rPr lang="en-US" sz="1500" dirty="0" err="1"/>
+              <a:t>crisisnlp.qcri.org</a:t>
+            </a:r>
+            <a:r>
+              <a:rPr lang="en-US" sz="1500" dirty="0"/>
+              <a:t>/</a:t>
+            </a:r>
+            <a:endParaRPr lang="en-US" sz="1500" dirty="0"/>
           </a:p>
           <a:p>
             <a:endParaRPr lang="en-US" dirty="0"/>
@@ -4707,8 +6260,13 @@
             </a:r>
             <a:r>
               <a:rPr lang="en-US" dirty="0"/>
-              <a:t> Data</a:t>
-            </a:r>
+              <a:t> </a:t>
+            </a:r>
+            <a:r>
+              <a:rPr lang="en-US" dirty="0" smtClean="0"/>
+              <a:t>Data (CrisisLexT26)</a:t>
+            </a:r>
+            <a:endParaRPr lang="en-US" dirty="0"/>
           </a:p>
         </p:txBody>
       </p:sp>
@@ -4862,8 +6420,13 @@
           <a:p>
             <a:r>
               <a:rPr lang="en-US" dirty="0"/>
-              <a:t>An Approach (can expand these points to individual slides)</a:t>
-            </a:r>
+              <a:t>An </a:t>
+            </a:r>
+            <a:r>
+              <a:rPr lang="en-US" dirty="0" smtClean="0"/>
+              <a:t>Approach</a:t>
+            </a:r>
+            <a:endParaRPr lang="en-US" dirty="0"/>
           </a:p>
         </p:txBody>
       </p:sp>
@@ -4895,8 +6458,21 @@
           <a:p>
             <a:r>
               <a:rPr lang="en-US" dirty="0"/>
-              <a:t>Extract statistical features (Stanford Core NLP)</a:t>
-            </a:r>
+              <a:t>Extract statistical features (Stanford Core </a:t>
+            </a:r>
+            <a:r>
+              <a:rPr lang="en-US" dirty="0" smtClean="0"/>
+              <a:t>NLP,  </a:t>
+            </a:r>
+            <a:r>
+              <a:rPr lang="en-US" dirty="0" err="1" smtClean="0"/>
+              <a:t>spaCy</a:t>
+            </a:r>
+            <a:r>
+              <a:rPr lang="en-US" dirty="0" smtClean="0"/>
+              <a:t>)</a:t>
+            </a:r>
+            <a:endParaRPr lang="en-US" dirty="0"/>
           </a:p>
           <a:p>
             <a:endParaRPr lang="en-US" dirty="0"/>
@@ -5759,7 +7335,15 @@
           <a:p>
             <a:r>
               <a:rPr lang="en-US" dirty="0"/>
-              <a:t>Popular Machine Learning methods</a:t>
+              <a:t>Popular </a:t>
+            </a:r>
+            <a:r>
+              <a:rPr lang="en-US" dirty="0" smtClean="0"/>
+              <a:t>Supervised Machine </a:t>
+            </a:r>
+            <a:r>
+              <a:rPr lang="en-US" dirty="0"/>
+              <a:t>Learning methods</a:t>
             </a:r>
           </a:p>
         </p:txBody>
@@ -7248,7 +8832,7 @@
           <p:nvPr/>
         </p:nvPicPr>
         <p:blipFill>
-          <a:blip r:embed="rId2">
+          <a:blip r:embed="rId3">
             <a:extLst>
               <a:ext uri="{28A0092B-C50C-407E-A947-70E740481C1C}">
                 <a14:useLocalDpi xmlns:a14="http://schemas.microsoft.com/office/drawing/2010/main" val="0"/>
@@ -10496,7 +12080,7 @@
             </a:r>
             <a:r>
               <a:rPr lang="en-US" sz="1650" i="1" dirty="0">
-                <a:hlinkClick r:id="rId2"/>
+                <a:hlinkClick r:id="rId3"/>
               </a:rPr>
               <a:t>http://t.co/1guBTcXX</a:t>
             </a:r>
@@ -10728,7 +12312,7 @@
           <p:nvPr/>
         </p:nvPicPr>
         <p:blipFill>
-          <a:blip r:embed="rId2">
+          <a:blip r:embed="rId3">
             <a:extLst>
               <a:ext uri="{28A0092B-C50C-407E-A947-70E740481C1C}">
                 <a14:useLocalDpi xmlns:a14="http://schemas.microsoft.com/office/drawing/2010/main" val="0"/>

--- a/slides/pptx/4-classification.pptx
+++ b/slides/pptx/4-classification.pptx
@@ -220,7 +220,7 @@
           <a:p>
             <a:fld id="{BE1256C8-1BA4-4200-90F3-9413893DDEA5}" type="datetimeFigureOut">
               <a:rPr lang="en-US" smtClean="0"/>
-              <a:t>4/21/2018</a:t>
+              <a:t>4/22/2018</a:t>
             </a:fld>
             <a:endParaRPr lang="en-US"/>
           </a:p>
@@ -2244,7 +2244,6 @@
               <a:rPr lang="en-US" baseline="0" dirty="0" smtClean="0"/>
               <a:t>ML classification models exists also as APIS and can be used as needed such as the Crisis event extraction service.</a:t>
             </a:r>
-            <a:endParaRPr lang="en-US" baseline="0" dirty="0" smtClean="0"/>
           </a:p>
         </p:txBody>
       </p:sp>
@@ -2482,11 +2481,7 @@
             </a:pPr>
             <a:r>
               <a:rPr lang="en-US" dirty="0" smtClean="0"/>
-              <a:t>So</a:t>
-            </a:r>
-            <a:r>
-              <a:rPr lang="en-US" dirty="0" smtClean="0"/>
-              <a:t>, broadly there are two families</a:t>
+              <a:t>So, broadly there are two families</a:t>
             </a:r>
             <a:r>
               <a:rPr lang="en-US" baseline="0" dirty="0" smtClean="0"/>
@@ -2498,11 +2493,7 @@
             </a:r>
             <a:r>
               <a:rPr lang="en-US" baseline="0" dirty="0" smtClean="0"/>
-              <a:t> into labels and classes. And then we use these are the ground truth data to train the classifier so they can automatically learn to classify new unseen data into these labels/categories. In UNSUPERVISED classification, we do not provide any training data a priori, instead discover the related elements based on some similarity metric</a:t>
-            </a:r>
-            <a:r>
-              <a:rPr lang="en-US" baseline="0" dirty="0" smtClean="0"/>
-              <a:t>.</a:t>
+              <a:t> into labels and classes. And then we use these are the ground truth data to train the classifier so they can automatically learn to classify new unseen data into these labels/categories. In UNSUPERVISED classification, we do not provide any training data a priori, instead discover the related elements based on some similarity metric.</a:t>
             </a:r>
           </a:p>
           <a:p>
@@ -3334,7 +3325,7 @@
           <a:p>
             <a:fld id="{57763156-F63F-45AB-B3F8-61CC0A4BEA6A}" type="datetime1">
               <a:rPr lang="en-GB" smtClean="0"/>
-              <a:t>21/04/2018</a:t>
+              <a:t>22/04/2018</a:t>
             </a:fld>
             <a:endParaRPr lang="en-GB"/>
           </a:p>
@@ -3504,7 +3495,7 @@
           <a:p>
             <a:fld id="{14BEECE9-20C9-45D7-AB53-CA411A5FA534}" type="datetime1">
               <a:rPr lang="en-GB" smtClean="0"/>
-              <a:t>21/04/2018</a:t>
+              <a:t>22/04/2018</a:t>
             </a:fld>
             <a:endParaRPr lang="en-GB"/>
           </a:p>
@@ -3684,7 +3675,7 @@
           <a:p>
             <a:fld id="{71AC76DC-8E58-4714-866B-5CCB322C9264}" type="datetime1">
               <a:rPr lang="en-GB" smtClean="0"/>
-              <a:t>21/04/2018</a:t>
+              <a:t>22/04/2018</a:t>
             </a:fld>
             <a:endParaRPr lang="en-GB"/>
           </a:p>
@@ -3854,7 +3845,7 @@
           <a:p>
             <a:fld id="{DFC15704-F215-4509-A1A2-B1A12E74556F}" type="datetime1">
               <a:rPr lang="en-GB" smtClean="0"/>
-              <a:t>21/04/2018</a:t>
+              <a:t>22/04/2018</a:t>
             </a:fld>
             <a:endParaRPr lang="en-GB"/>
           </a:p>
@@ -4098,7 +4089,7 @@
           <a:p>
             <a:fld id="{392ADA6A-D818-43C3-9F7F-2F28E69D78B6}" type="datetime1">
               <a:rPr lang="en-GB" smtClean="0"/>
-              <a:t>21/04/2018</a:t>
+              <a:t>22/04/2018</a:t>
             </a:fld>
             <a:endParaRPr lang="en-GB"/>
           </a:p>
@@ -4330,7 +4321,7 @@
           <a:p>
             <a:fld id="{C7FCF681-0D17-4460-8C9F-49B85F7A2E00}" type="datetime1">
               <a:rPr lang="en-GB" smtClean="0"/>
-              <a:t>21/04/2018</a:t>
+              <a:t>22/04/2018</a:t>
             </a:fld>
             <a:endParaRPr lang="en-GB"/>
           </a:p>
@@ -4697,7 +4688,7 @@
           <a:p>
             <a:fld id="{F592DD51-5C55-433A-BB22-2ABF05370CA6}" type="datetime1">
               <a:rPr lang="en-GB" smtClean="0"/>
-              <a:t>21/04/2018</a:t>
+              <a:t>22/04/2018</a:t>
             </a:fld>
             <a:endParaRPr lang="en-GB"/>
           </a:p>
@@ -4815,7 +4806,7 @@
           <a:p>
             <a:fld id="{A97C0150-2929-4832-9063-FBB3235391DF}" type="datetime1">
               <a:rPr lang="en-GB" smtClean="0"/>
-              <a:t>21/04/2018</a:t>
+              <a:t>22/04/2018</a:t>
             </a:fld>
             <a:endParaRPr lang="en-GB"/>
           </a:p>
@@ -4910,7 +4901,7 @@
           <a:p>
             <a:fld id="{4692F702-1EC7-4E05-9607-554DE0A8E0FE}" type="datetime1">
               <a:rPr lang="en-GB" smtClean="0"/>
-              <a:t>21/04/2018</a:t>
+              <a:t>22/04/2018</a:t>
             </a:fld>
             <a:endParaRPr lang="en-GB"/>
           </a:p>
@@ -5187,7 +5178,7 @@
           <a:p>
             <a:fld id="{24C2DD65-6AF0-44F2-884B-2162E18F760E}" type="datetime1">
               <a:rPr lang="en-GB" smtClean="0"/>
-              <a:t>21/04/2018</a:t>
+              <a:t>22/04/2018</a:t>
             </a:fld>
             <a:endParaRPr lang="en-GB"/>
           </a:p>
@@ -5444,7 +5435,7 @@
           <a:p>
             <a:fld id="{9A9C41D7-6BEF-4CB4-AC25-ADB6FF4C12E2}" type="datetime1">
               <a:rPr lang="en-GB" smtClean="0"/>
-              <a:t>21/04/2018</a:t>
+              <a:t>22/04/2018</a:t>
             </a:fld>
             <a:endParaRPr lang="en-GB"/>
           </a:p>
@@ -5657,7 +5648,7 @@
           <a:p>
             <a:fld id="{5589C3F4-3F66-4BB9-8E2C-6F99259E00DB}" type="datetime1">
               <a:rPr lang="en-GB" smtClean="0"/>
-              <a:t>21/04/2018</a:t>
+              <a:t>22/04/2018</a:t>
             </a:fld>
             <a:endParaRPr lang="en-GB"/>
           </a:p>
@@ -7617,7 +7608,33 @@
               <a:rPr lang="en-US" sz="1500" dirty="0" smtClean="0">
                 <a:hlinkClick r:id="rId3"/>
               </a:rPr>
-              <a:t>crisislex.org/</a:t>
+              <a:t>crisislex.org</a:t>
+            </a:r>
+            <a:r>
+              <a:rPr lang="en-US" sz="1500" dirty="0" smtClean="0">
+                <a:hlinkClick r:id="rId3"/>
+              </a:rPr>
+              <a:t>/</a:t>
+            </a:r>
+            <a:r>
+              <a:rPr lang="en-US" sz="1500" dirty="0" smtClean="0"/>
+              <a:t> (</a:t>
+            </a:r>
+            <a:r>
+              <a:rPr lang="en-GB" sz="1600" dirty="0" err="1" smtClean="0"/>
+              <a:t>olteanu</a:t>
+            </a:r>
+            <a:r>
+              <a:rPr lang="en-GB" sz="1600" dirty="0"/>
+              <a:t> </a:t>
+            </a:r>
+            <a:r>
+              <a:rPr lang="en-GB" sz="1600" dirty="0" smtClean="0"/>
+              <a:t>et al., 2015</a:t>
+            </a:r>
+            <a:r>
+              <a:rPr lang="en-US" sz="1500" dirty="0" smtClean="0"/>
+              <a:t>)</a:t>
             </a:r>
             <a:endParaRPr lang="en-US" sz="1500" dirty="0"/>
           </a:p>
@@ -7648,7 +7665,25 @@
               <a:rPr lang="en-US" sz="1500" dirty="0" smtClean="0">
                 <a:hlinkClick r:id="rId4"/>
               </a:rPr>
-              <a:t>crisisnlp.qcri.org/</a:t>
+              <a:t>crisisnlp.qcri.org</a:t>
+            </a:r>
+            <a:r>
+              <a:rPr lang="en-US" sz="1500" dirty="0" smtClean="0">
+                <a:hlinkClick r:id="rId4"/>
+              </a:rPr>
+              <a:t>/</a:t>
+            </a:r>
+            <a:r>
+              <a:rPr lang="en-US" sz="1500" dirty="0" smtClean="0"/>
+              <a:t> (</a:t>
+            </a:r>
+            <a:r>
+              <a:rPr lang="en-GB" sz="1600" dirty="0" smtClean="0"/>
+              <a:t>Nguyen et al., 2016</a:t>
+            </a:r>
+            <a:r>
+              <a:rPr lang="en-US" sz="1500" dirty="0" smtClean="0"/>
+              <a:t>)</a:t>
             </a:r>
             <a:endParaRPr lang="en-US" dirty="0"/>
           </a:p>
@@ -8417,11 +8452,7 @@
           <a:p>
             <a:r>
               <a:rPr lang="en-US" sz="4000" dirty="0" smtClean="0"/>
-              <a:t>Processing and Training </a:t>
-            </a:r>
-            <a:r>
-              <a:rPr lang="en-US" sz="4000" dirty="0" smtClean="0"/>
-              <a:t>Approach (1)</a:t>
+              <a:t>Processing and Training Approach (1)</a:t>
             </a:r>
             <a:endParaRPr lang="en-US" sz="4000" dirty="0"/>
           </a:p>
@@ -9587,15 +9618,7 @@
             </a:pPr>
             <a:r>
               <a:rPr lang="en-US" dirty="0"/>
-              <a:t>Minimum </a:t>
-            </a:r>
-            <a:r>
-              <a:rPr lang="en-US" dirty="0"/>
-              <a:t>f</a:t>
-            </a:r>
-            <a:r>
-              <a:rPr lang="en-US" dirty="0"/>
-              <a:t>eature engineering</a:t>
+              <a:t>Minimum feature engineering</a:t>
             </a:r>
           </a:p>
           <a:p>
@@ -9827,7 +9850,6 @@
               <a:rPr lang="en-GB" dirty="0"/>
               <a:t>‘Traditional’ ML</a:t>
             </a:r>
-            <a:endParaRPr lang="en-GB" dirty="0"/>
           </a:p>
           <a:p>
             <a:pPr marL="285750" indent="-285750">
@@ -9836,23 +9858,7 @@
             </a:pPr>
             <a:r>
               <a:rPr lang="en-GB" dirty="0"/>
-              <a:t>Standard </a:t>
-            </a:r>
-            <a:r>
-              <a:rPr lang="en-GB" dirty="0"/>
-              <a:t>classifiers </a:t>
-            </a:r>
-            <a:r>
-              <a:rPr lang="en-GB" dirty="0"/>
-              <a:t>(e.g., SVM</a:t>
-            </a:r>
-            <a:r>
-              <a:rPr lang="en-GB" dirty="0"/>
-              <a:t>, </a:t>
-            </a:r>
-            <a:r>
-              <a:rPr lang="en-GB" dirty="0"/>
-              <a:t>J48…).</a:t>
+              <a:t>Standard classifiers (e.g., SVM, J48…).</a:t>
             </a:r>
           </a:p>
           <a:p>
@@ -9862,23 +9868,7 @@
             </a:pPr>
             <a:r>
               <a:rPr lang="en-GB" dirty="0"/>
-              <a:t>Feature </a:t>
-            </a:r>
-            <a:r>
-              <a:rPr lang="en-GB" dirty="0"/>
-              <a:t>engineering  (e.g</a:t>
-            </a:r>
-            <a:r>
-              <a:rPr lang="en-GB" dirty="0"/>
-              <a:t>., </a:t>
-            </a:r>
-            <a:r>
-              <a:rPr lang="en-GB" dirty="0"/>
-              <a:t>lemmatisation, </a:t>
-            </a:r>
-            <a:r>
-              <a:rPr lang="en-GB" dirty="0"/>
-              <a:t> TF-IDF…).</a:t>
+              <a:t>Feature engineering  (e.g., lemmatisation,  TF-IDF…).</a:t>
             </a:r>
           </a:p>
           <a:p>
@@ -9888,17 +9878,8 @@
             </a:pPr>
             <a:r>
               <a:rPr lang="en-GB" dirty="0"/>
-              <a:t>Bag </a:t>
-            </a:r>
-            <a:r>
-              <a:rPr lang="en-GB" dirty="0"/>
-              <a:t>of </a:t>
-            </a:r>
-            <a:r>
-              <a:rPr lang="en-GB" dirty="0"/>
-              <a:t>words.</a:t>
-            </a:r>
-            <a:endParaRPr lang="en-GB" dirty="0"/>
+              <a:t>Bag of words.</a:t>
+            </a:r>
           </a:p>
         </p:txBody>
       </p:sp>
@@ -11368,8 +11349,16 @@
               <a:t>(Crisis Event Extraction Service</a:t>
             </a:r>
             <a:r>
+              <a:rPr lang="en-GB" sz="2400" smtClean="0"/>
+              <a:t>) </a:t>
+            </a:r>
+            <a:r>
+              <a:rPr lang="en-GB" sz="2400" smtClean="0"/>
+              <a:t>(Burel et al., 2018) use </a:t>
+            </a:r>
+            <a:r>
               <a:rPr lang="en-GB" sz="2400" dirty="0" smtClean="0"/>
-              <a:t>) use CNNs to </a:t>
+              <a:t>CNNs to </a:t>
             </a:r>
             <a:r>
               <a:rPr lang="en-GB" sz="2400" dirty="0"/>
@@ -11711,11 +11700,7 @@
           <a:p>
             <a:r>
               <a:rPr lang="en-GB" dirty="0" smtClean="0"/>
-              <a:t>Publically available tools and </a:t>
-            </a:r>
-            <a:r>
-              <a:rPr lang="en-GB" dirty="0" smtClean="0"/>
-              <a:t>APIs can be used for </a:t>
+              <a:t>Publically available tools and APIs can be used for </a:t>
             </a:r>
             <a:r>
               <a:rPr lang="en-GB" b="1" dirty="0" smtClean="0"/>
@@ -12865,14 +12850,7 @@
                 <a:ea typeface="Open Sans" charset="0"/>
                 <a:cs typeface="Open Sans" charset="0"/>
               </a:rPr>
-              <a:t>E.g., </a:t>
-            </a:r>
-            <a:r>
-              <a:rPr lang="en-US" sz="2400" dirty="0" smtClean="0">
-                <a:ea typeface="Open Sans" charset="0"/>
-                <a:cs typeface="Open Sans" charset="0"/>
-              </a:rPr>
-              <a:t>CNN</a:t>
+              <a:t>E.g., CNN</a:t>
             </a:r>
             <a:r>
               <a:rPr lang="en-US" sz="2400" dirty="0">

--- a/slides/pptx/4-classification.pptx
+++ b/slides/pptx/4-classification.pptx
@@ -220,7 +220,7 @@
           <a:p>
             <a:fld id="{BE1256C8-1BA4-4200-90F3-9413893DDEA5}" type="datetimeFigureOut">
               <a:rPr lang="en-US" smtClean="0"/>
-              <a:t>4/22/2018</a:t>
+              <a:t>4/22/18</a:t>
             </a:fld>
             <a:endParaRPr lang="en-US"/>
           </a:p>
@@ -3152,7 +3152,19 @@
             </a:r>
             <a:r>
               <a:rPr lang="en-US" baseline="0" dirty="0" smtClean="0"/>
-              <a:t>.</a:t>
+              <a:t>. We annotate the key entities in the text and then look for their corresponding </a:t>
+            </a:r>
+            <a:r>
+              <a:rPr lang="en-US" baseline="0" dirty="0" err="1" smtClean="0"/>
+              <a:t>hypernyms</a:t>
+            </a:r>
+            <a:r>
+              <a:rPr lang="en-US" baseline="0" dirty="0" smtClean="0"/>
+              <a:t> and augment them to the </a:t>
+            </a:r>
+            <a:r>
+              <a:rPr lang="en-US" baseline="0" smtClean="0"/>
+              <a:t>overall context.</a:t>
             </a:r>
             <a:endParaRPr lang="en-US" dirty="0"/>
           </a:p>
@@ -7608,13 +7620,7 @@
               <a:rPr lang="en-US" sz="1500" dirty="0" smtClean="0">
                 <a:hlinkClick r:id="rId3"/>
               </a:rPr>
-              <a:t>crisislex.org</a:t>
-            </a:r>
-            <a:r>
-              <a:rPr lang="en-US" sz="1500" dirty="0" smtClean="0">
-                <a:hlinkClick r:id="rId3"/>
-              </a:rPr>
-              <a:t>/</a:t>
+              <a:t>crisislex.org/</a:t>
             </a:r>
             <a:r>
               <a:rPr lang="en-US" sz="1500" dirty="0" smtClean="0"/>
@@ -7665,13 +7671,7 @@
               <a:rPr lang="en-US" sz="1500" dirty="0" smtClean="0">
                 <a:hlinkClick r:id="rId4"/>
               </a:rPr>
-              <a:t>crisisnlp.qcri.org</a:t>
-            </a:r>
-            <a:r>
-              <a:rPr lang="en-US" sz="1500" dirty="0" smtClean="0">
-                <a:hlinkClick r:id="rId4"/>
-              </a:rPr>
-              <a:t>/</a:t>
+              <a:t>crisisnlp.qcri.org/</a:t>
             </a:r>
             <a:r>
               <a:rPr lang="en-US" sz="1500" dirty="0" smtClean="0"/>
@@ -11350,11 +11350,7 @@
             </a:r>
             <a:r>
               <a:rPr lang="en-GB" sz="2400" smtClean="0"/>
-              <a:t>) </a:t>
-            </a:r>
-            <a:r>
-              <a:rPr lang="en-GB" sz="2400" smtClean="0"/>
-              <a:t>(Burel et al., 2018) use </a:t>
+              <a:t>) (Burel et al., 2018) use </a:t>
             </a:r>
             <a:r>
               <a:rPr lang="en-GB" sz="2400" dirty="0" smtClean="0"/>
@@ -14368,8 +14364,8 @@
         </p:nvSpPr>
         <p:spPr>
           <a:xfrm>
-            <a:off x="1576674" y="1995560"/>
-            <a:ext cx="1135117" cy="276999"/>
+            <a:off x="1555409" y="1995560"/>
+            <a:ext cx="1194388" cy="276999"/>
           </a:xfrm>
           <a:prstGeom prst="rect">
             <a:avLst/>

--- a/slides/pptx/4-classification.pptx
+++ b/slides/pptx/4-classification.pptx
@@ -721,7 +721,7 @@
             </a:r>
             <a:r>
               <a:rPr lang="en-US" baseline="0" dirty="0" smtClean="0"/>
-              <a:t> So, in the above example we find out following number of nouns verbs, pronouns, length etc. So the overall feature set representation looks like this. Token 1 to Token N are basically different </a:t>
+              <a:t> So, from the above example we find out following number of nouns verbs, pronouns, length etc. So the overall feature set representation looks like this. Token 1 to Token N are basically different </a:t>
             </a:r>
             <a:r>
               <a:rPr lang="en-US" baseline="0" dirty="0" err="1" smtClean="0"/>
@@ -729,7 +729,19 @@
             </a:r>
             <a:r>
               <a:rPr lang="en-US" baseline="0" dirty="0" smtClean="0"/>
-              <a:t>-grams in a text and then these 6 statistical features. In this type of case, we </a:t>
+              <a:t>-grams in a </a:t>
+            </a:r>
+            <a:r>
+              <a:rPr lang="en-US" baseline="0" dirty="0" smtClean="0"/>
+              <a:t>text (</a:t>
+            </a:r>
+            <a:r>
+              <a:rPr lang="en-US" baseline="0" smtClean="0"/>
+              <a:t>include semantics) </a:t>
+            </a:r>
+            <a:r>
+              <a:rPr lang="en-US" baseline="0" dirty="0" smtClean="0"/>
+              <a:t>and then these 6 statistical features. In this type of case, we </a:t>
             </a:r>
             <a:r>
               <a:rPr lang="en-US" baseline="0" dirty="0" err="1" smtClean="0"/>
@@ -3160,11 +3172,7 @@
             </a:r>
             <a:r>
               <a:rPr lang="en-US" baseline="0" dirty="0" smtClean="0"/>
-              <a:t> and augment them to the </a:t>
-            </a:r>
-            <a:r>
-              <a:rPr lang="en-US" baseline="0" smtClean="0"/>
-              <a:t>overall context.</a:t>
+              <a:t> and augment them to the overall context.</a:t>
             </a:r>
             <a:endParaRPr lang="en-US" dirty="0"/>
           </a:p>

--- a/slides/pptx/4-classification.pptx
+++ b/slides/pptx/4-classification.pptx
@@ -729,11 +729,7 @@
             </a:r>
             <a:r>
               <a:rPr lang="en-US" baseline="0" dirty="0" smtClean="0"/>
-              <a:t>-grams in a </a:t>
-            </a:r>
-            <a:r>
-              <a:rPr lang="en-US" baseline="0" dirty="0" smtClean="0"/>
-              <a:t>text (</a:t>
+              <a:t>-grams in a text (</a:t>
             </a:r>
             <a:r>
               <a:rPr lang="en-US" baseline="0" smtClean="0"/>
@@ -1542,7 +1538,19 @@
                 <a:ea typeface="+mn-ea"/>
                 <a:cs typeface="+mn-cs"/>
               </a:rPr>
-              <a:t>Nowadays we can use two different approach for text classification:</a:t>
+              <a:t>But before that, lets look at another powerful approach in practice. So, </a:t>
+            </a:r>
+            <a:r>
+              <a:rPr lang="en-US" sz="1200" kern="1200" baseline="0" dirty="0" smtClean="0">
+                <a:solidFill>
+                  <a:schemeClr val="tx1"/>
+                </a:solidFill>
+                <a:effectLst/>
+                <a:latin typeface="+mn-lt"/>
+                <a:ea typeface="+mn-ea"/>
+                <a:cs typeface="+mn-cs"/>
+              </a:rPr>
+              <a:t>we can use two different approach for text classification:</a:t>
             </a:r>
           </a:p>
           <a:p>
@@ -1604,7 +1612,31 @@
                 <a:ea typeface="+mn-ea"/>
                 <a:cs typeface="+mn-cs"/>
               </a:rPr>
-              <a:t>Deep learning or related methods that rely on word embedding (</a:t>
+              <a:t>Deep learning or related methods that rely on word </a:t>
+            </a:r>
+            <a:r>
+              <a:rPr lang="en-US" sz="1200" kern="1200" baseline="0" dirty="0" smtClean="0">
+                <a:solidFill>
+                  <a:schemeClr val="tx1"/>
+                </a:solidFill>
+                <a:effectLst/>
+                <a:latin typeface="+mn-lt"/>
+                <a:ea typeface="+mn-ea"/>
+                <a:cs typeface="+mn-cs"/>
+              </a:rPr>
+              <a:t>embedding (as mentioned in one of the slides earlier) </a:t>
+            </a:r>
+            <a:r>
+              <a:rPr lang="en-US" sz="1200" kern="1200" baseline="0" dirty="0" smtClean="0">
+                <a:solidFill>
+                  <a:schemeClr val="tx1"/>
+                </a:solidFill>
+                <a:effectLst/>
+                <a:latin typeface="+mn-lt"/>
+                <a:ea typeface="+mn-ea"/>
+                <a:cs typeface="+mn-cs"/>
+              </a:rPr>
+              <a:t>(</a:t>
             </a:r>
             <a:r>
               <a:rPr lang="en-GB" sz="1200" b="0" i="0" kern="1200" dirty="0" smtClean="0">
@@ -1826,7 +1858,19 @@
           <a:p>
             <a:r>
               <a:rPr lang="en-GB" dirty="0" smtClean="0"/>
-              <a:t>Already presented in the data collection so this is more like a reminder</a:t>
+              <a:t>As already </a:t>
+            </a:r>
+            <a:r>
+              <a:rPr lang="en-GB" dirty="0" smtClean="0"/>
+              <a:t>presented in the data </a:t>
+            </a:r>
+            <a:r>
+              <a:rPr lang="en-GB" dirty="0" smtClean="0"/>
+              <a:t>collection, the kind of challenges that exist with the enormous voluminous</a:t>
+            </a:r>
+            <a:r>
+              <a:rPr lang="en-GB" baseline="0" dirty="0" smtClean="0"/>
+              <a:t> data which calls for additional methods to process and classify.</a:t>
             </a:r>
             <a:endParaRPr lang="en-GB" dirty="0"/>
           </a:p>
@@ -1914,7 +1958,11 @@
           <a:p>
             <a:r>
               <a:rPr lang="en-US" baseline="0" dirty="0" smtClean="0"/>
-              <a:t>Although there is multiple  deep learning models such as RNN, Hierarchical Attention Network…</a:t>
+              <a:t>There are </a:t>
+            </a:r>
+            <a:r>
+              <a:rPr lang="en-US" baseline="0" dirty="0" smtClean="0"/>
+              <a:t>multiple  deep learning models such as RNN, Hierarchical Attention Network…</a:t>
             </a:r>
           </a:p>
           <a:p>
@@ -1923,8 +1971,17 @@
           <a:p>
             <a:r>
               <a:rPr lang="en-US" baseline="0" dirty="0" smtClean="0"/>
-              <a:t>We decide to focus on CNN due to its simplicity and scalability. </a:t>
-            </a:r>
+              <a:t>However in here we </a:t>
+            </a:r>
+            <a:r>
+              <a:rPr lang="en-US" baseline="0" dirty="0" smtClean="0"/>
+              <a:t>decide to focus on CNN due to its simplicity and scalability. </a:t>
+            </a:r>
+            <a:r>
+              <a:rPr lang="en-US" baseline="0" dirty="0" smtClean="0"/>
+              <a:t>So broadly you represent text as a matrix (using pre-train embedding), so the model performs convolutions and scans a matrix using given region size. You can perform filtering the features process by doing max-pooling what takes highest activations into considerations.</a:t>
+            </a:r>
+            <a:endParaRPr lang="en-US" baseline="0" dirty="0" smtClean="0"/>
           </a:p>
           <a:p>
             <a:endParaRPr lang="en-US" baseline="0" dirty="0" smtClean="0"/>
@@ -2254,7 +2311,15 @@
             </a:pPr>
             <a:r>
               <a:rPr lang="en-US" baseline="0" dirty="0" smtClean="0"/>
-              <a:t>ML classification models exists also as APIS and can be used as needed such as the Crisis event extraction service.</a:t>
+              <a:t>ML classification models exists also as APIS and can be used as needed such as the </a:t>
+            </a:r>
+            <a:r>
+              <a:rPr lang="en-US" baseline="0" dirty="0" smtClean="0"/>
+              <a:t>(CREES)Crisis </a:t>
+            </a:r>
+            <a:r>
+              <a:rPr lang="en-US" baseline="0" dirty="0" smtClean="0"/>
+              <a:t>event extraction service.</a:t>
             </a:r>
           </a:p>
         </p:txBody>
@@ -2341,11 +2406,11 @@
           <a:p>
             <a:r>
               <a:rPr lang="en-GB" dirty="0" smtClean="0"/>
-              <a:t>Already shown as well… but we say that clustering</a:t>
+              <a:t>We have seen earlier that approaches</a:t>
             </a:r>
             <a:r>
               <a:rPr lang="en-GB" baseline="0" dirty="0" smtClean="0"/>
-              <a:t> is limited so we need more complex techniques</a:t>
+              <a:t> like selective query filtering for gathering data, or clustering technique using LDA has its own limitations. For instance, you might have clusters containing mutually related documents, but the mutually related criteria could be very diverse for each cluster. Hence we can identify the the significance of deploying machine learning methods to train the methods on data dedicated to fixed type of labels. </a:t>
             </a:r>
             <a:endParaRPr lang="en-GB" dirty="0"/>
           </a:p>
@@ -2450,8 +2515,17 @@
             </a:pPr>
             <a:r>
               <a:rPr lang="en-US" dirty="0" smtClean="0"/>
-              <a:t>We have already seen LDA in the data collection hands on</a:t>
-            </a:r>
+              <a:t>**We </a:t>
+            </a:r>
+            <a:r>
+              <a:rPr lang="en-US" dirty="0" smtClean="0"/>
+              <a:t>have already seen LDA in the data collection hands </a:t>
+            </a:r>
+            <a:r>
+              <a:rPr lang="en-US" dirty="0" smtClean="0"/>
+              <a:t>on**</a:t>
+            </a:r>
+            <a:endParaRPr lang="en-US" dirty="0" smtClean="0"/>
           </a:p>
           <a:p>
             <a:pPr marL="0" marR="0" indent="0" algn="l" defTabSz="914400" rtl="0" eaLnBrk="1" fontAlgn="auto" latinLnBrk="0" hangingPunct="1">
